--- a/imagens/rascunho.pptx
+++ b/imagens/rascunho.pptx
@@ -105,6 +105,11 @@
       </a:defRPr>
     </a:lvl9pPr>
   </p:defaultTextStyle>
+  <p:extLst>
+    <p:ext uri="{EFAFB233-063F-42B5-8137-9DF3F51BA10A}">
+      <p15:sldGuideLst xmlns:p15="http://schemas.microsoft.com/office/powerpoint/2012/main"/>
+    </p:ext>
+  </p:extLst>
 </p:presentation>
 </file>
 
@@ -239,7 +244,7 @@
           <a:p>
             <a:fld id="{0B428E07-6BA0-40C1-939D-DFC7C159623A}" type="datetimeFigureOut">
               <a:rPr lang="en-US" smtClean="0"/>
-              <a:t>7/4/2020</a:t>
+              <a:t>7/7/2020</a:t>
             </a:fld>
             <a:endParaRPr lang="en-US"/>
           </a:p>
@@ -409,7 +414,7 @@
           <a:p>
             <a:fld id="{0B428E07-6BA0-40C1-939D-DFC7C159623A}" type="datetimeFigureOut">
               <a:rPr lang="en-US" smtClean="0"/>
-              <a:t>7/4/2020</a:t>
+              <a:t>7/7/2020</a:t>
             </a:fld>
             <a:endParaRPr lang="en-US"/>
           </a:p>
@@ -589,7 +594,7 @@
           <a:p>
             <a:fld id="{0B428E07-6BA0-40C1-939D-DFC7C159623A}" type="datetimeFigureOut">
               <a:rPr lang="en-US" smtClean="0"/>
-              <a:t>7/4/2020</a:t>
+              <a:t>7/7/2020</a:t>
             </a:fld>
             <a:endParaRPr lang="en-US"/>
           </a:p>
@@ -759,7 +764,7 @@
           <a:p>
             <a:fld id="{0B428E07-6BA0-40C1-939D-DFC7C159623A}" type="datetimeFigureOut">
               <a:rPr lang="en-US" smtClean="0"/>
-              <a:t>7/4/2020</a:t>
+              <a:t>7/7/2020</a:t>
             </a:fld>
             <a:endParaRPr lang="en-US"/>
           </a:p>
@@ -1005,7 +1010,7 @@
           <a:p>
             <a:fld id="{0B428E07-6BA0-40C1-939D-DFC7C159623A}" type="datetimeFigureOut">
               <a:rPr lang="en-US" smtClean="0"/>
-              <a:t>7/4/2020</a:t>
+              <a:t>7/7/2020</a:t>
             </a:fld>
             <a:endParaRPr lang="en-US"/>
           </a:p>
@@ -1237,7 +1242,7 @@
           <a:p>
             <a:fld id="{0B428E07-6BA0-40C1-939D-DFC7C159623A}" type="datetimeFigureOut">
               <a:rPr lang="en-US" smtClean="0"/>
-              <a:t>7/4/2020</a:t>
+              <a:t>7/7/2020</a:t>
             </a:fld>
             <a:endParaRPr lang="en-US"/>
           </a:p>
@@ -1604,7 +1609,7 @@
           <a:p>
             <a:fld id="{0B428E07-6BA0-40C1-939D-DFC7C159623A}" type="datetimeFigureOut">
               <a:rPr lang="en-US" smtClean="0"/>
-              <a:t>7/4/2020</a:t>
+              <a:t>7/7/2020</a:t>
             </a:fld>
             <a:endParaRPr lang="en-US"/>
           </a:p>
@@ -1722,7 +1727,7 @@
           <a:p>
             <a:fld id="{0B428E07-6BA0-40C1-939D-DFC7C159623A}" type="datetimeFigureOut">
               <a:rPr lang="en-US" smtClean="0"/>
-              <a:t>7/4/2020</a:t>
+              <a:t>7/7/2020</a:t>
             </a:fld>
             <a:endParaRPr lang="en-US"/>
           </a:p>
@@ -1817,7 +1822,7 @@
           <a:p>
             <a:fld id="{0B428E07-6BA0-40C1-939D-DFC7C159623A}" type="datetimeFigureOut">
               <a:rPr lang="en-US" smtClean="0"/>
-              <a:t>7/4/2020</a:t>
+              <a:t>7/7/2020</a:t>
             </a:fld>
             <a:endParaRPr lang="en-US"/>
           </a:p>
@@ -2094,7 +2099,7 @@
           <a:p>
             <a:fld id="{0B428E07-6BA0-40C1-939D-DFC7C159623A}" type="datetimeFigureOut">
               <a:rPr lang="en-US" smtClean="0"/>
-              <a:t>7/4/2020</a:t>
+              <a:t>7/7/2020</a:t>
             </a:fld>
             <a:endParaRPr lang="en-US"/>
           </a:p>
@@ -2347,7 +2352,7 @@
           <a:p>
             <a:fld id="{0B428E07-6BA0-40C1-939D-DFC7C159623A}" type="datetimeFigureOut">
               <a:rPr lang="en-US" smtClean="0"/>
-              <a:t>7/4/2020</a:t>
+              <a:t>7/7/2020</a:t>
             </a:fld>
             <a:endParaRPr lang="en-US"/>
           </a:p>
@@ -2560,7 +2565,7 @@
           <a:p>
             <a:fld id="{0B428E07-6BA0-40C1-939D-DFC7C159623A}" type="datetimeFigureOut">
               <a:rPr lang="en-US" smtClean="0"/>
-              <a:t>7/4/2020</a:t>
+              <a:t>7/7/2020</a:t>
             </a:fld>
             <a:endParaRPr lang="en-US"/>
           </a:p>
@@ -4681,13 +4686,94 @@
       </p:sp>
       <p:sp>
         <p:nvSpPr>
-          <p:cNvPr id="9" name="Retângulo 8"/>
+          <p:cNvPr id="44" name="Retângulo 43"/>
           <p:cNvSpPr/>
           <p:nvPr/>
         </p:nvSpPr>
         <p:spPr>
           <a:xfrm>
-            <a:off x="4241076" y="940528"/>
+            <a:off x="1208315" y="3149557"/>
+            <a:ext cx="2373085" cy="529048"/>
+          </a:xfrm>
+          <a:prstGeom prst="rect">
+            <a:avLst/>
+          </a:prstGeom>
+          <a:solidFill>
+            <a:schemeClr val="tx1"/>
+          </a:solidFill>
+          <a:ln>
+            <a:solidFill>
+              <a:schemeClr val="tx1"/>
+            </a:solidFill>
+          </a:ln>
+        </p:spPr>
+        <p:style>
+          <a:lnRef idx="2">
+            <a:schemeClr val="accent1">
+              <a:shade val="50000"/>
+            </a:schemeClr>
+          </a:lnRef>
+          <a:fillRef idx="1">
+            <a:schemeClr val="accent1"/>
+          </a:fillRef>
+          <a:effectRef idx="0">
+            <a:schemeClr val="accent1"/>
+          </a:effectRef>
+          <a:fontRef idx="minor">
+            <a:schemeClr val="lt1"/>
+          </a:fontRef>
+        </p:style>
+        <p:txBody>
+          <a:bodyPr rtlCol="0" anchor="ctr"/>
+          <a:lstStyle/>
+          <a:p>
+            <a:pPr algn="ctr"/>
+            <a:r>
+              <a:rPr lang="en-US" dirty="0" smtClean="0"/>
+              <a:t>Login</a:t>
+            </a:r>
+            <a:endParaRPr lang="en-US" dirty="0"/>
+          </a:p>
+        </p:txBody>
+      </p:sp>
+      <p:pic>
+        <p:nvPicPr>
+          <p:cNvPr id="77" name="Imagem 76"/>
+          <p:cNvPicPr>
+            <a:picLocks noChangeAspect="1"/>
+          </p:cNvPicPr>
+          <p:nvPr/>
+        </p:nvPicPr>
+        <p:blipFill rotWithShape="1">
+          <a:blip r:embed="rId2" cstate="print">
+            <a:extLst>
+              <a:ext uri="{28A0092B-C50C-407E-A947-70E740481C1C}">
+                <a14:useLocalDpi xmlns:a14="http://schemas.microsoft.com/office/drawing/2010/main" val="0"/>
+              </a:ext>
+            </a:extLst>
+          </a:blip>
+          <a:srcRect t="-3297" r="19600"/>
+          <a:stretch/>
+        </p:blipFill>
+        <p:spPr>
+          <a:xfrm>
+            <a:off x="1557470" y="2631439"/>
+            <a:ext cx="1674774" cy="611025"/>
+          </a:xfrm>
+          <a:prstGeom prst="rect">
+            <a:avLst/>
+          </a:prstGeom>
+        </p:spPr>
+      </p:pic>
+      <p:sp>
+        <p:nvSpPr>
+          <p:cNvPr id="37" name="Retângulo 36"/>
+          <p:cNvSpPr/>
+          <p:nvPr/>
+        </p:nvSpPr>
+        <p:spPr>
+          <a:xfrm>
+            <a:off x="5115035" y="1230479"/>
             <a:ext cx="3056708" cy="4362994"/>
           </a:xfrm>
           <a:prstGeom prst="rect">
@@ -4727,1243 +4813,313 @@
           </a:p>
         </p:txBody>
       </p:sp>
-      <p:sp>
-        <p:nvSpPr>
-          <p:cNvPr id="10" name="Retângulo 9"/>
+      <p:grpSp>
+        <p:nvGrpSpPr>
+          <p:cNvPr id="2" name="Agrupar 1"/>
+          <p:cNvGrpSpPr/>
+          <p:nvPr/>
+        </p:nvGrpSpPr>
+        <p:grpSpPr>
+          <a:xfrm>
+            <a:off x="8409930" y="-212606"/>
+            <a:ext cx="4320000" cy="3149557"/>
+            <a:chOff x="266681" y="-1795480"/>
+            <a:chExt cx="4320000" cy="4320000"/>
+          </a:xfrm>
+        </p:grpSpPr>
+        <p:sp>
+          <p:nvSpPr>
+            <p:cNvPr id="80" name="Elipse 79"/>
+            <p:cNvSpPr/>
+            <p:nvPr/>
+          </p:nvSpPr>
+          <p:spPr>
+            <a:xfrm>
+              <a:off x="266681" y="-1795480"/>
+              <a:ext cx="4320000" cy="4320000"/>
+            </a:xfrm>
+            <a:prstGeom prst="ellipse">
+              <a:avLst/>
+            </a:prstGeom>
+            <a:solidFill>
+              <a:srgbClr val="FFB233"/>
+            </a:solidFill>
+            <a:ln>
+              <a:noFill/>
+            </a:ln>
+          </p:spPr>
+          <p:style>
+            <a:lnRef idx="2">
+              <a:schemeClr val="accent1">
+                <a:shade val="50000"/>
+              </a:schemeClr>
+            </a:lnRef>
+            <a:fillRef idx="1">
+              <a:schemeClr val="accent1"/>
+            </a:fillRef>
+            <a:effectRef idx="0">
+              <a:schemeClr val="accent1"/>
+            </a:effectRef>
+            <a:fontRef idx="minor">
+              <a:schemeClr val="lt1"/>
+            </a:fontRef>
+          </p:style>
+          <p:txBody>
+            <a:bodyPr rtlCol="0" anchor="ctr"/>
+            <a:lstStyle/>
+            <a:p>
+              <a:pPr algn="ctr"/>
+              <a:endParaRPr lang="en-US"/>
+            </a:p>
+          </p:txBody>
+        </p:sp>
+        <p:sp>
+          <p:nvSpPr>
+            <p:cNvPr id="79" name="Elipse 78"/>
+            <p:cNvSpPr/>
+            <p:nvPr/>
+          </p:nvSpPr>
+          <p:spPr>
+            <a:xfrm>
+              <a:off x="626681" y="-1434948"/>
+              <a:ext cx="3600000" cy="3600000"/>
+            </a:xfrm>
+            <a:prstGeom prst="ellipse">
+              <a:avLst/>
+            </a:prstGeom>
+            <a:solidFill>
+              <a:srgbClr val="FB7642"/>
+            </a:solidFill>
+            <a:ln>
+              <a:noFill/>
+            </a:ln>
+          </p:spPr>
+          <p:style>
+            <a:lnRef idx="2">
+              <a:schemeClr val="accent1">
+                <a:shade val="50000"/>
+              </a:schemeClr>
+            </a:lnRef>
+            <a:fillRef idx="1">
+              <a:schemeClr val="accent1"/>
+            </a:fillRef>
+            <a:effectRef idx="0">
+              <a:schemeClr val="accent1"/>
+            </a:effectRef>
+            <a:fontRef idx="minor">
+              <a:schemeClr val="lt1"/>
+            </a:fontRef>
+          </p:style>
+          <p:txBody>
+            <a:bodyPr rtlCol="0" anchor="ctr"/>
+            <a:lstStyle/>
+            <a:p>
+              <a:pPr algn="ctr"/>
+              <a:endParaRPr lang="en-US"/>
+            </a:p>
+          </p:txBody>
+        </p:sp>
+        <p:sp>
+          <p:nvSpPr>
+            <p:cNvPr id="78" name="Elipse 77"/>
+            <p:cNvSpPr/>
+            <p:nvPr/>
+          </p:nvSpPr>
+          <p:spPr>
+            <a:xfrm>
+              <a:off x="986681" y="-1074948"/>
+              <a:ext cx="2880000" cy="2880000"/>
+            </a:xfrm>
+            <a:prstGeom prst="ellipse">
+              <a:avLst/>
+            </a:prstGeom>
+            <a:solidFill>
+              <a:srgbClr val="F55258"/>
+            </a:solidFill>
+            <a:ln>
+              <a:noFill/>
+            </a:ln>
+          </p:spPr>
+          <p:style>
+            <a:lnRef idx="2">
+              <a:schemeClr val="accent1">
+                <a:shade val="50000"/>
+              </a:schemeClr>
+            </a:lnRef>
+            <a:fillRef idx="1">
+              <a:schemeClr val="accent1"/>
+            </a:fillRef>
+            <a:effectRef idx="0">
+              <a:schemeClr val="accent1"/>
+            </a:effectRef>
+            <a:fontRef idx="minor">
+              <a:schemeClr val="lt1"/>
+            </a:fontRef>
+          </p:style>
+          <p:txBody>
+            <a:bodyPr rtlCol="0" anchor="ctr"/>
+            <a:lstStyle/>
+            <a:p>
+              <a:pPr algn="ctr"/>
+              <a:endParaRPr lang="en-US"/>
+            </a:p>
+          </p:txBody>
+        </p:sp>
+        <p:sp>
+          <p:nvSpPr>
+            <p:cNvPr id="15" name="Elipse 14"/>
+            <p:cNvSpPr/>
+            <p:nvPr/>
+          </p:nvSpPr>
+          <p:spPr>
+            <a:xfrm>
+              <a:off x="1346681" y="-720068"/>
+              <a:ext cx="2160000" cy="2160001"/>
+            </a:xfrm>
+            <a:prstGeom prst="ellipse">
+              <a:avLst/>
+            </a:prstGeom>
+            <a:solidFill>
+              <a:srgbClr val="F12177"/>
+            </a:solidFill>
+            <a:ln>
+              <a:noFill/>
+            </a:ln>
+          </p:spPr>
+          <p:style>
+            <a:lnRef idx="2">
+              <a:schemeClr val="accent1">
+                <a:shade val="50000"/>
+              </a:schemeClr>
+            </a:lnRef>
+            <a:fillRef idx="1">
+              <a:schemeClr val="accent1"/>
+            </a:fillRef>
+            <a:effectRef idx="0">
+              <a:schemeClr val="accent1"/>
+            </a:effectRef>
+            <a:fontRef idx="minor">
+              <a:schemeClr val="lt1"/>
+            </a:fontRef>
+          </p:style>
+          <p:txBody>
+            <a:bodyPr rtlCol="0" anchor="ctr"/>
+            <a:lstStyle/>
+            <a:p>
+              <a:pPr algn="ctr"/>
+              <a:endParaRPr lang="en-US"/>
+            </a:p>
+          </p:txBody>
+        </p:sp>
+        <p:sp>
+          <p:nvSpPr>
+            <p:cNvPr id="81" name="Elipse 80"/>
+            <p:cNvSpPr/>
+            <p:nvPr/>
+          </p:nvSpPr>
+          <p:spPr>
+            <a:xfrm>
+              <a:off x="1708627" y="-360067"/>
+              <a:ext cx="1440000" cy="1440000"/>
+            </a:xfrm>
+            <a:prstGeom prst="ellipse">
+              <a:avLst/>
+            </a:prstGeom>
+            <a:solidFill>
+              <a:srgbClr val="391E77"/>
+            </a:solidFill>
+            <a:ln>
+              <a:noFill/>
+            </a:ln>
+          </p:spPr>
+          <p:style>
+            <a:lnRef idx="2">
+              <a:schemeClr val="accent1">
+                <a:shade val="50000"/>
+              </a:schemeClr>
+            </a:lnRef>
+            <a:fillRef idx="1">
+              <a:schemeClr val="accent1"/>
+            </a:fillRef>
+            <a:effectRef idx="0">
+              <a:schemeClr val="accent1"/>
+            </a:effectRef>
+            <a:fontRef idx="minor">
+              <a:schemeClr val="lt1"/>
+            </a:fontRef>
+          </p:style>
+          <p:txBody>
+            <a:bodyPr rtlCol="0" anchor="ctr"/>
+            <a:lstStyle/>
+            <a:p>
+              <a:pPr algn="ctr"/>
+              <a:endParaRPr lang="en-US"/>
+            </a:p>
+          </p:txBody>
+        </p:sp>
+        <p:sp>
+          <p:nvSpPr>
+            <p:cNvPr id="82" name="Elipse 81"/>
+            <p:cNvSpPr/>
+            <p:nvPr/>
+          </p:nvSpPr>
+          <p:spPr>
+            <a:xfrm>
+              <a:off x="2074544" y="-69257"/>
+              <a:ext cx="720000" cy="720000"/>
+            </a:xfrm>
+            <a:prstGeom prst="ellipse">
+              <a:avLst/>
+            </a:prstGeom>
+            <a:solidFill>
+              <a:srgbClr val="1E1567"/>
+            </a:solidFill>
+            <a:ln>
+              <a:noFill/>
+            </a:ln>
+          </p:spPr>
+          <p:style>
+            <a:lnRef idx="2">
+              <a:schemeClr val="accent1">
+                <a:shade val="50000"/>
+              </a:schemeClr>
+            </a:lnRef>
+            <a:fillRef idx="1">
+              <a:schemeClr val="accent1"/>
+            </a:fillRef>
+            <a:effectRef idx="0">
+              <a:schemeClr val="accent1"/>
+            </a:effectRef>
+            <a:fontRef idx="minor">
+              <a:schemeClr val="lt1"/>
+            </a:fontRef>
+          </p:style>
+          <p:txBody>
+            <a:bodyPr rtlCol="0" anchor="ctr"/>
+            <a:lstStyle/>
+            <a:p>
+              <a:pPr algn="ctr"/>
+              <a:endParaRPr lang="en-US"/>
+            </a:p>
+          </p:txBody>
+        </p:sp>
+      </p:grpSp>
+      <p:sp>
+        <p:nvSpPr>
+          <p:cNvPr id="46" name="Elipse 45"/>
           <p:cNvSpPr/>
           <p:nvPr/>
         </p:nvSpPr>
         <p:spPr>
           <a:xfrm>
-            <a:off x="4563292" y="271053"/>
-            <a:ext cx="2373085" cy="529048"/>
-          </a:xfrm>
-          <a:prstGeom prst="rect">
-            <a:avLst/>
-          </a:prstGeom>
-          <a:solidFill>
-            <a:schemeClr val="tx1"/>
-          </a:solidFill>
-          <a:ln>
-            <a:solidFill>
-              <a:schemeClr val="tx1"/>
-            </a:solidFill>
-          </a:ln>
-        </p:spPr>
-        <p:style>
-          <a:lnRef idx="2">
-            <a:schemeClr val="accent1">
-              <a:shade val="50000"/>
-            </a:schemeClr>
-          </a:lnRef>
-          <a:fillRef idx="1">
-            <a:schemeClr val="accent1"/>
-          </a:fillRef>
-          <a:effectRef idx="0">
-            <a:schemeClr val="accent1"/>
-          </a:effectRef>
-          <a:fontRef idx="minor">
-            <a:schemeClr val="lt1"/>
-          </a:fontRef>
-        </p:style>
-        <p:txBody>
-          <a:bodyPr rtlCol="0" anchor="ctr"/>
-          <a:lstStyle/>
-          <a:p>
-            <a:pPr algn="ctr"/>
-            <a:r>
-              <a:rPr lang="en-US" dirty="0" smtClean="0"/>
-              <a:t>Home</a:t>
-            </a:r>
-            <a:endParaRPr lang="en-US" dirty="0"/>
-          </a:p>
-        </p:txBody>
-      </p:sp>
-      <p:sp>
-        <p:nvSpPr>
-          <p:cNvPr id="11" name="Retângulo 10"/>
-          <p:cNvSpPr/>
-          <p:nvPr/>
-        </p:nvSpPr>
-        <p:spPr>
-          <a:xfrm>
-            <a:off x="4706984" y="1409703"/>
-            <a:ext cx="2233747" cy="1398813"/>
-          </a:xfrm>
-          <a:prstGeom prst="rect">
-            <a:avLst/>
-          </a:prstGeom>
-          <a:solidFill>
-            <a:schemeClr val="bg1">
-              <a:lumMod val="75000"/>
-            </a:schemeClr>
-          </a:solidFill>
-          <a:ln>
-            <a:solidFill>
-              <a:schemeClr val="tx1"/>
-            </a:solidFill>
-          </a:ln>
-        </p:spPr>
-        <p:style>
-          <a:lnRef idx="2">
-            <a:schemeClr val="accent1">
-              <a:shade val="50000"/>
-            </a:schemeClr>
-          </a:lnRef>
-          <a:fillRef idx="1">
-            <a:schemeClr val="accent1"/>
-          </a:fillRef>
-          <a:effectRef idx="0">
-            <a:schemeClr val="accent1"/>
-          </a:effectRef>
-          <a:fontRef idx="minor">
-            <a:schemeClr val="lt1"/>
-          </a:fontRef>
-        </p:style>
-        <p:txBody>
-          <a:bodyPr rtlCol="0" anchor="ctr"/>
-          <a:lstStyle/>
-          <a:p>
-            <a:pPr algn="ctr"/>
-            <a:r>
-              <a:rPr lang="en-US" dirty="0" err="1" smtClean="0"/>
-              <a:t>Explicação</a:t>
-            </a:r>
-            <a:r>
-              <a:rPr lang="en-US" dirty="0" smtClean="0"/>
-              <a:t> </a:t>
-            </a:r>
-            <a:r>
-              <a:rPr lang="en-US" dirty="0" err="1" smtClean="0"/>
-              <a:t>sobre</a:t>
-            </a:r>
-            <a:r>
-              <a:rPr lang="en-US" dirty="0" smtClean="0"/>
-              <a:t> </a:t>
-            </a:r>
-            <a:r>
-              <a:rPr lang="en-US" dirty="0" err="1" smtClean="0"/>
-              <a:t>os</a:t>
-            </a:r>
-            <a:r>
-              <a:rPr lang="en-US" dirty="0" smtClean="0"/>
-              <a:t> </a:t>
-            </a:r>
-            <a:r>
-              <a:rPr lang="en-US" dirty="0" err="1" smtClean="0"/>
-              <a:t>distúrbios</a:t>
-            </a:r>
-            <a:r>
-              <a:rPr lang="en-US" dirty="0" smtClean="0"/>
-              <a:t> de </a:t>
-            </a:r>
-            <a:r>
-              <a:rPr lang="en-US" dirty="0" err="1" smtClean="0"/>
-              <a:t>aprendizagem</a:t>
-            </a:r>
-            <a:endParaRPr lang="en-US" dirty="0"/>
-          </a:p>
-        </p:txBody>
-      </p:sp>
-      <p:sp>
-        <p:nvSpPr>
-          <p:cNvPr id="12" name="Retângulo 11"/>
-          <p:cNvSpPr/>
-          <p:nvPr/>
-        </p:nvSpPr>
-        <p:spPr>
-          <a:xfrm>
-            <a:off x="4241076" y="4781006"/>
-            <a:ext cx="3056708" cy="522517"/>
-          </a:xfrm>
-          <a:prstGeom prst="rect">
-            <a:avLst/>
-          </a:prstGeom>
-          <a:solidFill>
-            <a:schemeClr val="bg1">
-              <a:lumMod val="85000"/>
-            </a:schemeClr>
-          </a:solidFill>
-          <a:ln>
-            <a:solidFill>
-              <a:schemeClr val="tx1"/>
-            </a:solidFill>
-          </a:ln>
-        </p:spPr>
-        <p:style>
-          <a:lnRef idx="2">
-            <a:schemeClr val="accent1">
-              <a:shade val="50000"/>
-            </a:schemeClr>
-          </a:lnRef>
-          <a:fillRef idx="1">
-            <a:schemeClr val="accent1"/>
-          </a:fillRef>
-          <a:effectRef idx="0">
-            <a:schemeClr val="accent1"/>
-          </a:effectRef>
-          <a:fontRef idx="minor">
-            <a:schemeClr val="lt1"/>
-          </a:fontRef>
-        </p:style>
-        <p:txBody>
-          <a:bodyPr rtlCol="0" anchor="ctr"/>
-          <a:lstStyle/>
-          <a:p>
-            <a:pPr algn="ctr"/>
-            <a:endParaRPr lang="en-US" dirty="0"/>
-          </a:p>
-        </p:txBody>
-      </p:sp>
-      <p:sp>
-        <p:nvSpPr>
-          <p:cNvPr id="25" name="Retângulo 24"/>
-          <p:cNvSpPr/>
-          <p:nvPr/>
-        </p:nvSpPr>
-        <p:spPr>
-          <a:xfrm>
-            <a:off x="4275909" y="4781005"/>
-            <a:ext cx="962296" cy="522517"/>
-          </a:xfrm>
-          <a:prstGeom prst="rect">
-            <a:avLst/>
-          </a:prstGeom>
-          <a:solidFill>
-            <a:schemeClr val="tx1"/>
-          </a:solidFill>
-          <a:ln>
-            <a:solidFill>
-              <a:schemeClr val="tx1"/>
-            </a:solidFill>
-          </a:ln>
-        </p:spPr>
-        <p:style>
-          <a:lnRef idx="2">
-            <a:schemeClr val="accent1">
-              <a:shade val="50000"/>
-            </a:schemeClr>
-          </a:lnRef>
-          <a:fillRef idx="1">
-            <a:schemeClr val="accent1"/>
-          </a:fillRef>
-          <a:effectRef idx="0">
-            <a:schemeClr val="accent1"/>
-          </a:effectRef>
-          <a:fontRef idx="minor">
-            <a:schemeClr val="lt1"/>
-          </a:fontRef>
-        </p:style>
-        <p:txBody>
-          <a:bodyPr rtlCol="0" anchor="ctr"/>
-          <a:lstStyle/>
-          <a:p>
-            <a:pPr algn="ctr"/>
-            <a:r>
-              <a:rPr lang="en-US" sz="1200" dirty="0" err="1" smtClean="0"/>
-              <a:t>Icone</a:t>
-            </a:r>
-            <a:r>
-              <a:rPr lang="en-US" sz="1200" dirty="0" smtClean="0"/>
-              <a:t> de </a:t>
-            </a:r>
-            <a:r>
-              <a:rPr lang="en-US" sz="1200" dirty="0" err="1" smtClean="0"/>
-              <a:t>tratamento</a:t>
-            </a:r>
-            <a:endParaRPr lang="en-US" sz="1200" dirty="0"/>
-          </a:p>
-        </p:txBody>
-      </p:sp>
-      <p:sp>
-        <p:nvSpPr>
-          <p:cNvPr id="26" name="Retângulo 25"/>
-          <p:cNvSpPr/>
-          <p:nvPr/>
-        </p:nvSpPr>
-        <p:spPr>
-          <a:xfrm>
-            <a:off x="5286104" y="4640579"/>
-            <a:ext cx="962296" cy="662943"/>
-          </a:xfrm>
-          <a:prstGeom prst="rect">
-            <a:avLst/>
-          </a:prstGeom>
-          <a:solidFill>
-            <a:schemeClr val="tx1"/>
-          </a:solidFill>
-          <a:ln>
-            <a:solidFill>
-              <a:schemeClr val="tx1"/>
-            </a:solidFill>
-          </a:ln>
-        </p:spPr>
-        <p:style>
-          <a:lnRef idx="2">
-            <a:schemeClr val="accent1">
-              <a:shade val="50000"/>
-            </a:schemeClr>
-          </a:lnRef>
-          <a:fillRef idx="1">
-            <a:schemeClr val="accent1"/>
-          </a:fillRef>
-          <a:effectRef idx="0">
-            <a:schemeClr val="accent1"/>
-          </a:effectRef>
-          <a:fontRef idx="minor">
-            <a:schemeClr val="lt1"/>
-          </a:fontRef>
-        </p:style>
-        <p:txBody>
-          <a:bodyPr rtlCol="0" anchor="ctr"/>
-          <a:lstStyle/>
-          <a:p>
-            <a:pPr algn="ctr"/>
-            <a:r>
-              <a:rPr lang="en-US" sz="1200" dirty="0" err="1" smtClean="0"/>
-              <a:t>Icone</a:t>
-            </a:r>
-            <a:r>
-              <a:rPr lang="en-US" sz="1200" dirty="0" smtClean="0"/>
-              <a:t> da home</a:t>
-            </a:r>
-            <a:endParaRPr lang="en-US" sz="1200" dirty="0"/>
-          </a:p>
-        </p:txBody>
-      </p:sp>
-      <p:sp>
-        <p:nvSpPr>
-          <p:cNvPr id="27" name="Retângulo 26"/>
-          <p:cNvSpPr/>
-          <p:nvPr/>
-        </p:nvSpPr>
-        <p:spPr>
-          <a:xfrm>
-            <a:off x="6296299" y="4781004"/>
-            <a:ext cx="962296" cy="522517"/>
-          </a:xfrm>
-          <a:prstGeom prst="rect">
-            <a:avLst/>
-          </a:prstGeom>
-          <a:solidFill>
-            <a:schemeClr val="tx1"/>
-          </a:solidFill>
-          <a:ln>
-            <a:solidFill>
-              <a:schemeClr val="tx1"/>
-            </a:solidFill>
-          </a:ln>
-        </p:spPr>
-        <p:style>
-          <a:lnRef idx="2">
-            <a:schemeClr val="accent1">
-              <a:shade val="50000"/>
-            </a:schemeClr>
-          </a:lnRef>
-          <a:fillRef idx="1">
-            <a:schemeClr val="accent1"/>
-          </a:fillRef>
-          <a:effectRef idx="0">
-            <a:schemeClr val="accent1"/>
-          </a:effectRef>
-          <a:fontRef idx="minor">
-            <a:schemeClr val="lt1"/>
-          </a:fontRef>
-        </p:style>
-        <p:txBody>
-          <a:bodyPr rtlCol="0" anchor="ctr"/>
-          <a:lstStyle/>
-          <a:p>
-            <a:pPr algn="ctr"/>
-            <a:r>
-              <a:rPr lang="en-US" sz="1200" dirty="0" err="1" smtClean="0"/>
-              <a:t>Icone</a:t>
-            </a:r>
-            <a:r>
-              <a:rPr lang="en-US" sz="1200" dirty="0" smtClean="0"/>
-              <a:t> de </a:t>
-            </a:r>
-            <a:r>
-              <a:rPr lang="en-US" sz="1200" dirty="0" err="1" smtClean="0"/>
-              <a:t>pré-diagnóstico</a:t>
-            </a:r>
-            <a:endParaRPr lang="en-US" sz="1200" dirty="0"/>
-          </a:p>
-        </p:txBody>
-      </p:sp>
-      <p:sp>
-        <p:nvSpPr>
-          <p:cNvPr id="28" name="Retângulo 27"/>
-          <p:cNvSpPr/>
-          <p:nvPr/>
-        </p:nvSpPr>
-        <p:spPr>
-          <a:xfrm>
-            <a:off x="8068493" y="940527"/>
-            <a:ext cx="3056708" cy="4362994"/>
-          </a:xfrm>
-          <a:prstGeom prst="rect">
+            <a:off x="5923389" y="1224264"/>
+            <a:ext cx="1440000" cy="1440000"/>
+          </a:xfrm>
+          <a:prstGeom prst="ellipse">
             <a:avLst/>
           </a:prstGeom>
           <a:solidFill>
             <a:schemeClr val="bg1"/>
-          </a:solidFill>
-          <a:ln>
-            <a:solidFill>
-              <a:schemeClr val="tx1"/>
-            </a:solidFill>
-          </a:ln>
-        </p:spPr>
-        <p:style>
-          <a:lnRef idx="2">
-            <a:schemeClr val="accent1">
-              <a:shade val="50000"/>
-            </a:schemeClr>
-          </a:lnRef>
-          <a:fillRef idx="1">
-            <a:schemeClr val="accent1"/>
-          </a:fillRef>
-          <a:effectRef idx="0">
-            <a:schemeClr val="accent1"/>
-          </a:effectRef>
-          <a:fontRef idx="minor">
-            <a:schemeClr val="lt1"/>
-          </a:fontRef>
-        </p:style>
-        <p:txBody>
-          <a:bodyPr rtlCol="0" anchor="ctr"/>
-          <a:lstStyle/>
-          <a:p>
-            <a:pPr algn="ctr"/>
-            <a:endParaRPr lang="en-US"/>
-          </a:p>
-        </p:txBody>
-      </p:sp>
-      <p:sp>
-        <p:nvSpPr>
-          <p:cNvPr id="31" name="Retângulo 30"/>
-          <p:cNvSpPr/>
-          <p:nvPr/>
-        </p:nvSpPr>
-        <p:spPr>
-          <a:xfrm>
-            <a:off x="9013373" y="1251771"/>
-            <a:ext cx="1166947" cy="1415143"/>
-          </a:xfrm>
-          <a:prstGeom prst="rect">
-            <a:avLst/>
-          </a:prstGeom>
-          <a:solidFill>
-            <a:schemeClr val="accent4"/>
-          </a:solidFill>
-          <a:ln>
-            <a:solidFill>
-              <a:schemeClr val="tx1"/>
-            </a:solidFill>
-          </a:ln>
-        </p:spPr>
-        <p:style>
-          <a:lnRef idx="2">
-            <a:schemeClr val="accent1">
-              <a:shade val="50000"/>
-            </a:schemeClr>
-          </a:lnRef>
-          <a:fillRef idx="1">
-            <a:schemeClr val="accent1"/>
-          </a:fillRef>
-          <a:effectRef idx="0">
-            <a:schemeClr val="accent1"/>
-          </a:effectRef>
-          <a:fontRef idx="minor">
-            <a:schemeClr val="lt1"/>
-          </a:fontRef>
-        </p:style>
-        <p:txBody>
-          <a:bodyPr rtlCol="0" anchor="ctr"/>
-          <a:lstStyle/>
-          <a:p>
-            <a:pPr algn="ctr"/>
-            <a:r>
-              <a:rPr lang="en-US" dirty="0" smtClean="0"/>
-              <a:t>Logo </a:t>
-            </a:r>
-            <a:r>
-              <a:rPr lang="en-US" dirty="0" err="1" smtClean="0"/>
-              <a:t>aq</a:t>
-            </a:r>
-            <a:endParaRPr lang="en-US" dirty="0"/>
-          </a:p>
-        </p:txBody>
-      </p:sp>
-      <p:sp>
-        <p:nvSpPr>
-          <p:cNvPr id="32" name="Retângulo 31"/>
-          <p:cNvSpPr/>
-          <p:nvPr/>
-        </p:nvSpPr>
-        <p:spPr>
-          <a:xfrm>
-            <a:off x="9013373" y="2788522"/>
-            <a:ext cx="1166947" cy="541877"/>
-          </a:xfrm>
-          <a:prstGeom prst="rect">
-            <a:avLst/>
-          </a:prstGeom>
-          <a:noFill/>
-          <a:ln>
-            <a:noFill/>
-          </a:ln>
-        </p:spPr>
-        <p:style>
-          <a:lnRef idx="2">
-            <a:schemeClr val="accent1">
-              <a:shade val="50000"/>
-            </a:schemeClr>
-          </a:lnRef>
-          <a:fillRef idx="1">
-            <a:schemeClr val="accent1"/>
-          </a:fillRef>
-          <a:effectRef idx="0">
-            <a:schemeClr val="accent1"/>
-          </a:effectRef>
-          <a:fontRef idx="minor">
-            <a:schemeClr val="lt1"/>
-          </a:fontRef>
-        </p:style>
-        <p:txBody>
-          <a:bodyPr rtlCol="0" anchor="ctr"/>
-          <a:lstStyle/>
-          <a:p>
-            <a:pPr algn="ctr"/>
-            <a:r>
-              <a:rPr lang="en-US" sz="1600" dirty="0" smtClean="0">
-                <a:solidFill>
-                  <a:schemeClr val="tx1"/>
-                </a:solidFill>
-              </a:rPr>
-              <a:t>Unique</a:t>
-            </a:r>
-            <a:endParaRPr lang="en-US" sz="1600" dirty="0">
-              <a:solidFill>
-                <a:schemeClr val="tx1"/>
-              </a:solidFill>
-            </a:endParaRPr>
-          </a:p>
-        </p:txBody>
-      </p:sp>
-      <p:sp>
-        <p:nvSpPr>
-          <p:cNvPr id="33" name="Retângulo 32"/>
-          <p:cNvSpPr/>
-          <p:nvPr/>
-        </p:nvSpPr>
-        <p:spPr>
-          <a:xfrm>
-            <a:off x="4702630" y="2813415"/>
-            <a:ext cx="2233747" cy="648244"/>
-          </a:xfrm>
-          <a:prstGeom prst="rect">
-            <a:avLst/>
-          </a:prstGeom>
-          <a:solidFill>
-            <a:schemeClr val="accent4"/>
-          </a:solidFill>
-          <a:ln>
-            <a:solidFill>
-              <a:schemeClr val="tx1"/>
-            </a:solidFill>
-          </a:ln>
-        </p:spPr>
-        <p:style>
-          <a:lnRef idx="2">
-            <a:schemeClr val="accent1">
-              <a:shade val="50000"/>
-            </a:schemeClr>
-          </a:lnRef>
-          <a:fillRef idx="1">
-            <a:schemeClr val="accent1"/>
-          </a:fillRef>
-          <a:effectRef idx="0">
-            <a:schemeClr val="accent1"/>
-          </a:effectRef>
-          <a:fontRef idx="minor">
-            <a:schemeClr val="lt1"/>
-          </a:fontRef>
-        </p:style>
-        <p:txBody>
-          <a:bodyPr rtlCol="0" anchor="ctr"/>
-          <a:lstStyle/>
-          <a:p>
-            <a:pPr algn="ctr"/>
-            <a:r>
-              <a:rPr lang="en-US" dirty="0" err="1" smtClean="0"/>
-              <a:t>Importância</a:t>
-            </a:r>
-            <a:r>
-              <a:rPr lang="en-US" dirty="0" smtClean="0"/>
-              <a:t> de </a:t>
-            </a:r>
-            <a:r>
-              <a:rPr lang="en-US" dirty="0" err="1" smtClean="0"/>
-              <a:t>descobrir</a:t>
-            </a:r>
-            <a:endParaRPr lang="en-US" dirty="0"/>
-          </a:p>
-        </p:txBody>
-      </p:sp>
-      <p:sp>
-        <p:nvSpPr>
-          <p:cNvPr id="34" name="Meio-quadro 33"/>
-          <p:cNvSpPr/>
-          <p:nvPr/>
-        </p:nvSpPr>
-        <p:spPr>
-          <a:xfrm rot="-8160000">
-            <a:off x="4801768" y="2963864"/>
-            <a:ext cx="216000" cy="216000"/>
-          </a:xfrm>
-          <a:prstGeom prst="halfFrame">
-            <a:avLst/>
-          </a:prstGeom>
-          <a:solidFill>
-            <a:schemeClr val="bg1"/>
-          </a:solidFill>
-        </p:spPr>
-        <p:style>
-          <a:lnRef idx="2">
-            <a:schemeClr val="accent1">
-              <a:shade val="50000"/>
-            </a:schemeClr>
-          </a:lnRef>
-          <a:fillRef idx="1">
-            <a:schemeClr val="accent1"/>
-          </a:fillRef>
-          <a:effectRef idx="0">
-            <a:schemeClr val="accent1"/>
-          </a:effectRef>
-          <a:fontRef idx="minor">
-            <a:schemeClr val="lt1"/>
-          </a:fontRef>
-        </p:style>
-        <p:txBody>
-          <a:bodyPr rtlCol="0" anchor="ctr"/>
-          <a:lstStyle/>
-          <a:p>
-            <a:pPr algn="ctr"/>
-            <a:endParaRPr lang="en-US">
-              <a:solidFill>
-                <a:schemeClr val="tx1"/>
-              </a:solidFill>
-            </a:endParaRPr>
-          </a:p>
-        </p:txBody>
-      </p:sp>
-      <p:sp>
-        <p:nvSpPr>
-          <p:cNvPr id="35" name="Retângulo 34"/>
-          <p:cNvSpPr/>
-          <p:nvPr/>
-        </p:nvSpPr>
-        <p:spPr>
-          <a:xfrm>
-            <a:off x="4702630" y="3461029"/>
-            <a:ext cx="2233747" cy="516268"/>
-          </a:xfrm>
-          <a:prstGeom prst="rect">
-            <a:avLst/>
-          </a:prstGeom>
-          <a:solidFill>
-            <a:schemeClr val="accent1"/>
-          </a:solidFill>
-          <a:ln>
-            <a:solidFill>
-              <a:schemeClr val="tx1"/>
-            </a:solidFill>
-          </a:ln>
-        </p:spPr>
-        <p:style>
-          <a:lnRef idx="2">
-            <a:schemeClr val="accent1">
-              <a:shade val="50000"/>
-            </a:schemeClr>
-          </a:lnRef>
-          <a:fillRef idx="1">
-            <a:schemeClr val="accent1"/>
-          </a:fillRef>
-          <a:effectRef idx="0">
-            <a:schemeClr val="accent1"/>
-          </a:effectRef>
-          <a:fontRef idx="minor">
-            <a:schemeClr val="lt1"/>
-          </a:fontRef>
-        </p:style>
-        <p:txBody>
-          <a:bodyPr rtlCol="0" anchor="ctr"/>
-          <a:lstStyle/>
-          <a:p>
-            <a:pPr algn="ctr"/>
-            <a:r>
-              <a:rPr lang="en-US" dirty="0" err="1" smtClean="0"/>
-              <a:t>Disturbio</a:t>
-            </a:r>
-            <a:r>
-              <a:rPr lang="en-US" dirty="0" smtClean="0"/>
-              <a:t> 1</a:t>
-            </a:r>
-            <a:endParaRPr lang="en-US" dirty="0"/>
-          </a:p>
-        </p:txBody>
-      </p:sp>
-      <p:sp>
-        <p:nvSpPr>
-          <p:cNvPr id="36" name="Meio-quadro 35"/>
-          <p:cNvSpPr/>
-          <p:nvPr/>
-        </p:nvSpPr>
-        <p:spPr>
-          <a:xfrm rot="-8160000">
-            <a:off x="4801768" y="3611478"/>
-            <a:ext cx="216000" cy="216000"/>
-          </a:xfrm>
-          <a:prstGeom prst="halfFrame">
-            <a:avLst/>
-          </a:prstGeom>
-          <a:solidFill>
-            <a:schemeClr val="bg1"/>
-          </a:solidFill>
-        </p:spPr>
-        <p:style>
-          <a:lnRef idx="2">
-            <a:schemeClr val="accent1">
-              <a:shade val="50000"/>
-            </a:schemeClr>
-          </a:lnRef>
-          <a:fillRef idx="1">
-            <a:schemeClr val="accent1"/>
-          </a:fillRef>
-          <a:effectRef idx="0">
-            <a:schemeClr val="accent1"/>
-          </a:effectRef>
-          <a:fontRef idx="minor">
-            <a:schemeClr val="lt1"/>
-          </a:fontRef>
-        </p:style>
-        <p:txBody>
-          <a:bodyPr rtlCol="0" anchor="ctr"/>
-          <a:lstStyle/>
-          <a:p>
-            <a:pPr algn="ctr"/>
-            <a:endParaRPr lang="en-US">
-              <a:solidFill>
-                <a:schemeClr val="tx1"/>
-              </a:solidFill>
-            </a:endParaRPr>
-          </a:p>
-        </p:txBody>
-      </p:sp>
-      <p:sp>
-        <p:nvSpPr>
-          <p:cNvPr id="38" name="Retângulo 37"/>
-          <p:cNvSpPr/>
-          <p:nvPr/>
-        </p:nvSpPr>
-        <p:spPr>
-          <a:xfrm>
-            <a:off x="4702630" y="3982031"/>
-            <a:ext cx="2233747" cy="557459"/>
-          </a:xfrm>
-          <a:prstGeom prst="rect">
-            <a:avLst/>
-          </a:prstGeom>
-          <a:solidFill>
-            <a:srgbClr val="FF0000"/>
-          </a:solidFill>
-          <a:ln>
-            <a:solidFill>
-              <a:schemeClr val="tx1"/>
-            </a:solidFill>
-          </a:ln>
-        </p:spPr>
-        <p:style>
-          <a:lnRef idx="2">
-            <a:schemeClr val="accent1">
-              <a:shade val="50000"/>
-            </a:schemeClr>
-          </a:lnRef>
-          <a:fillRef idx="1">
-            <a:schemeClr val="accent1"/>
-          </a:fillRef>
-          <a:effectRef idx="0">
-            <a:schemeClr val="accent1"/>
-          </a:effectRef>
-          <a:fontRef idx="minor">
-            <a:schemeClr val="lt1"/>
-          </a:fontRef>
-        </p:style>
-        <p:txBody>
-          <a:bodyPr rtlCol="0" anchor="ctr"/>
-          <a:lstStyle/>
-          <a:p>
-            <a:pPr algn="ctr"/>
-            <a:r>
-              <a:rPr lang="en-US" dirty="0" err="1" smtClean="0"/>
-              <a:t>Disturbio</a:t>
-            </a:r>
-            <a:r>
-              <a:rPr lang="en-US" dirty="0" smtClean="0"/>
-              <a:t> 2</a:t>
-            </a:r>
-            <a:endParaRPr lang="en-US" dirty="0"/>
-          </a:p>
-        </p:txBody>
-      </p:sp>
-      <p:sp>
-        <p:nvSpPr>
-          <p:cNvPr id="39" name="Meio-quadro 38"/>
-          <p:cNvSpPr/>
-          <p:nvPr/>
-        </p:nvSpPr>
-        <p:spPr>
-          <a:xfrm rot="-8160000">
-            <a:off x="4801768" y="4132480"/>
-            <a:ext cx="216000" cy="216000"/>
-          </a:xfrm>
-          <a:prstGeom prst="halfFrame">
-            <a:avLst/>
-          </a:prstGeom>
-          <a:solidFill>
-            <a:schemeClr val="bg1"/>
-          </a:solidFill>
-        </p:spPr>
-        <p:style>
-          <a:lnRef idx="2">
-            <a:schemeClr val="accent1">
-              <a:shade val="50000"/>
-            </a:schemeClr>
-          </a:lnRef>
-          <a:fillRef idx="1">
-            <a:schemeClr val="accent1"/>
-          </a:fillRef>
-          <a:effectRef idx="0">
-            <a:schemeClr val="accent1"/>
-          </a:effectRef>
-          <a:fontRef idx="minor">
-            <a:schemeClr val="lt1"/>
-          </a:fontRef>
-        </p:style>
-        <p:txBody>
-          <a:bodyPr rtlCol="0" anchor="ctr"/>
-          <a:lstStyle/>
-          <a:p>
-            <a:pPr algn="ctr"/>
-            <a:endParaRPr lang="en-US">
-              <a:solidFill>
-                <a:schemeClr val="tx1"/>
-              </a:solidFill>
-            </a:endParaRPr>
-          </a:p>
-        </p:txBody>
-      </p:sp>
-      <p:sp>
-        <p:nvSpPr>
-          <p:cNvPr id="40" name="Retângulo 39"/>
-          <p:cNvSpPr/>
-          <p:nvPr/>
-        </p:nvSpPr>
-        <p:spPr>
-          <a:xfrm>
-            <a:off x="8673738" y="3199683"/>
-            <a:ext cx="1846216" cy="541877"/>
-          </a:xfrm>
-          <a:prstGeom prst="rect">
-            <a:avLst/>
-          </a:prstGeom>
-          <a:noFill/>
-          <a:ln>
-            <a:noFill/>
-          </a:ln>
-        </p:spPr>
-        <p:style>
-          <a:lnRef idx="2">
-            <a:schemeClr val="accent1">
-              <a:shade val="50000"/>
-            </a:schemeClr>
-          </a:lnRef>
-          <a:fillRef idx="1">
-            <a:schemeClr val="accent1"/>
-          </a:fillRef>
-          <a:effectRef idx="0">
-            <a:schemeClr val="accent1"/>
-          </a:effectRef>
-          <a:fontRef idx="minor">
-            <a:schemeClr val="lt1"/>
-          </a:fontRef>
-        </p:style>
-        <p:txBody>
-          <a:bodyPr rtlCol="0" anchor="ctr"/>
-          <a:lstStyle/>
-          <a:p>
-            <a:pPr algn="ctr"/>
-            <a:r>
-              <a:rPr lang="en-US" sz="1600" dirty="0" err="1" smtClean="0">
-                <a:solidFill>
-                  <a:schemeClr val="tx1">
-                    <a:lumMod val="50000"/>
-                    <a:lumOff val="50000"/>
-                  </a:schemeClr>
-                </a:solidFill>
-              </a:rPr>
-              <a:t>Plataforma</a:t>
-            </a:r>
-            <a:r>
-              <a:rPr lang="en-US" sz="1600" dirty="0" smtClean="0">
-                <a:solidFill>
-                  <a:schemeClr val="tx1">
-                    <a:lumMod val="50000"/>
-                    <a:lumOff val="50000"/>
-                  </a:schemeClr>
-                </a:solidFill>
-              </a:rPr>
-              <a:t> para </a:t>
-            </a:r>
-            <a:r>
-              <a:rPr lang="en-US" sz="1600" dirty="0" err="1" smtClean="0">
-                <a:solidFill>
-                  <a:schemeClr val="tx1">
-                    <a:lumMod val="50000"/>
-                    <a:lumOff val="50000"/>
-                  </a:schemeClr>
-                </a:solidFill>
-              </a:rPr>
-              <a:t>bla</a:t>
-            </a:r>
-            <a:r>
-              <a:rPr lang="en-US" sz="1600" dirty="0" smtClean="0">
-                <a:solidFill>
-                  <a:schemeClr val="tx1">
-                    <a:lumMod val="50000"/>
-                    <a:lumOff val="50000"/>
-                  </a:schemeClr>
-                </a:solidFill>
-              </a:rPr>
-              <a:t> </a:t>
-            </a:r>
-            <a:r>
-              <a:rPr lang="en-US" sz="1600" dirty="0" err="1" smtClean="0">
-                <a:solidFill>
-                  <a:schemeClr val="tx1">
-                    <a:lumMod val="50000"/>
-                    <a:lumOff val="50000"/>
-                  </a:schemeClr>
-                </a:solidFill>
-              </a:rPr>
-              <a:t>bla</a:t>
-            </a:r>
-            <a:r>
-              <a:rPr lang="en-US" sz="1600" dirty="0" smtClean="0">
-                <a:solidFill>
-                  <a:schemeClr val="tx1">
-                    <a:lumMod val="50000"/>
-                    <a:lumOff val="50000"/>
-                  </a:schemeClr>
-                </a:solidFill>
-              </a:rPr>
-              <a:t> </a:t>
-            </a:r>
-            <a:r>
-              <a:rPr lang="en-US" sz="1600" dirty="0" err="1" smtClean="0">
-                <a:solidFill>
-                  <a:schemeClr val="tx1">
-                    <a:lumMod val="50000"/>
-                    <a:lumOff val="50000"/>
-                  </a:schemeClr>
-                </a:solidFill>
-              </a:rPr>
-              <a:t>bla</a:t>
-            </a:r>
-            <a:endParaRPr lang="en-US" sz="1600" dirty="0">
-              <a:solidFill>
-                <a:schemeClr val="tx1">
-                  <a:lumMod val="50000"/>
-                  <a:lumOff val="50000"/>
-                </a:schemeClr>
-              </a:solidFill>
-            </a:endParaRPr>
-          </a:p>
-        </p:txBody>
-      </p:sp>
-      <p:sp>
-        <p:nvSpPr>
-          <p:cNvPr id="41" name="Retângulo 40"/>
-          <p:cNvSpPr/>
-          <p:nvPr/>
-        </p:nvSpPr>
-        <p:spPr>
-          <a:xfrm>
-            <a:off x="8708573" y="3846667"/>
-            <a:ext cx="1811381" cy="562193"/>
-          </a:xfrm>
-          <a:prstGeom prst="rect">
-            <a:avLst/>
-          </a:prstGeom>
-          <a:solidFill>
-            <a:srgbClr val="7030A0"/>
-          </a:solidFill>
-          <a:ln>
-            <a:solidFill>
-              <a:schemeClr val="tx1"/>
-            </a:solidFill>
-          </a:ln>
-        </p:spPr>
-        <p:style>
-          <a:lnRef idx="2">
-            <a:schemeClr val="accent1">
-              <a:shade val="50000"/>
-            </a:schemeClr>
-          </a:lnRef>
-          <a:fillRef idx="1">
-            <a:schemeClr val="accent1"/>
-          </a:fillRef>
-          <a:effectRef idx="0">
-            <a:schemeClr val="accent1"/>
-          </a:effectRef>
-          <a:fontRef idx="minor">
-            <a:schemeClr val="lt1"/>
-          </a:fontRef>
-        </p:style>
-        <p:txBody>
-          <a:bodyPr rtlCol="0" anchor="ctr"/>
-          <a:lstStyle/>
-          <a:p>
-            <a:pPr algn="ctr"/>
-            <a:r>
-              <a:rPr lang="en-US" dirty="0" smtClean="0"/>
-              <a:t>Login</a:t>
-            </a:r>
-            <a:endParaRPr lang="en-US" dirty="0"/>
-          </a:p>
-        </p:txBody>
-      </p:sp>
-      <p:sp>
-        <p:nvSpPr>
-          <p:cNvPr id="42" name="Retângulo 41"/>
-          <p:cNvSpPr/>
-          <p:nvPr/>
-        </p:nvSpPr>
-        <p:spPr>
-          <a:xfrm>
-            <a:off x="8068493" y="4741328"/>
-            <a:ext cx="3056708" cy="562193"/>
-          </a:xfrm>
-          <a:prstGeom prst="rect">
-            <a:avLst/>
-          </a:prstGeom>
-          <a:solidFill>
-            <a:schemeClr val="accent2"/>
-          </a:solidFill>
-          <a:ln>
-            <a:solidFill>
-              <a:schemeClr val="tx1"/>
-            </a:solidFill>
-          </a:ln>
-        </p:spPr>
-        <p:style>
-          <a:lnRef idx="2">
-            <a:schemeClr val="accent1">
-              <a:shade val="50000"/>
-            </a:schemeClr>
-          </a:lnRef>
-          <a:fillRef idx="1">
-            <a:schemeClr val="accent1"/>
-          </a:fillRef>
-          <a:effectRef idx="0">
-            <a:schemeClr val="accent1"/>
-          </a:effectRef>
-          <a:fontRef idx="minor">
-            <a:schemeClr val="lt1"/>
-          </a:fontRef>
-        </p:style>
-        <p:txBody>
-          <a:bodyPr rtlCol="0" anchor="ctr"/>
-          <a:lstStyle/>
-          <a:p>
-            <a:pPr algn="ctr"/>
-            <a:r>
-              <a:rPr lang="en-US" dirty="0" err="1" smtClean="0"/>
-              <a:t>Cadastro</a:t>
-            </a:r>
-            <a:endParaRPr lang="en-US" dirty="0"/>
-          </a:p>
-        </p:txBody>
-      </p:sp>
-      <p:sp>
-        <p:nvSpPr>
-          <p:cNvPr id="43" name="Retângulo 42"/>
-          <p:cNvSpPr/>
-          <p:nvPr/>
-        </p:nvSpPr>
-        <p:spPr>
-          <a:xfrm>
-            <a:off x="8427720" y="176119"/>
-            <a:ext cx="2373085" cy="529048"/>
-          </a:xfrm>
-          <a:prstGeom prst="rect">
-            <a:avLst/>
-          </a:prstGeom>
-          <a:solidFill>
-            <a:schemeClr val="tx1"/>
-          </a:solidFill>
-          <a:ln>
-            <a:solidFill>
-              <a:schemeClr val="tx1"/>
-            </a:solidFill>
-          </a:ln>
-        </p:spPr>
-        <p:style>
-          <a:lnRef idx="2">
-            <a:schemeClr val="accent1">
-              <a:shade val="50000"/>
-            </a:schemeClr>
-          </a:lnRef>
-          <a:fillRef idx="1">
-            <a:schemeClr val="accent1"/>
-          </a:fillRef>
-          <a:effectRef idx="0">
-            <a:schemeClr val="accent1"/>
-          </a:effectRef>
-          <a:fontRef idx="minor">
-            <a:schemeClr val="lt1"/>
-          </a:fontRef>
-        </p:style>
-        <p:txBody>
-          <a:bodyPr rtlCol="0" anchor="ctr"/>
-          <a:lstStyle/>
-          <a:p>
-            <a:pPr algn="ctr"/>
-            <a:r>
-              <a:rPr lang="en-US" dirty="0" err="1" smtClean="0"/>
-              <a:t>Página</a:t>
-            </a:r>
-            <a:r>
-              <a:rPr lang="en-US" dirty="0" smtClean="0"/>
-              <a:t> de </a:t>
-            </a:r>
-            <a:r>
-              <a:rPr lang="en-US" dirty="0" err="1" smtClean="0"/>
-              <a:t>início</a:t>
-            </a:r>
-            <a:endParaRPr lang="en-US" dirty="0"/>
-          </a:p>
-        </p:txBody>
-      </p:sp>
-      <p:sp>
-        <p:nvSpPr>
-          <p:cNvPr id="44" name="Retângulo 43"/>
-          <p:cNvSpPr/>
-          <p:nvPr/>
-        </p:nvSpPr>
-        <p:spPr>
-          <a:xfrm>
-            <a:off x="1208315" y="3149557"/>
-            <a:ext cx="2373085" cy="529048"/>
-          </a:xfrm>
-          <a:prstGeom prst="rect">
-            <a:avLst/>
-          </a:prstGeom>
-          <a:solidFill>
-            <a:schemeClr val="tx1"/>
-          </a:solidFill>
-          <a:ln>
-            <a:solidFill>
-              <a:schemeClr val="tx1"/>
-            </a:solidFill>
-          </a:ln>
-        </p:spPr>
-        <p:style>
-          <a:lnRef idx="2">
-            <a:schemeClr val="accent1">
-              <a:shade val="50000"/>
-            </a:schemeClr>
-          </a:lnRef>
-          <a:fillRef idx="1">
-            <a:schemeClr val="accent1"/>
-          </a:fillRef>
-          <a:effectRef idx="0">
-            <a:schemeClr val="accent1"/>
-          </a:effectRef>
-          <a:fontRef idx="minor">
-            <a:schemeClr val="lt1"/>
-          </a:fontRef>
-        </p:style>
-        <p:txBody>
-          <a:bodyPr rtlCol="0" anchor="ctr"/>
-          <a:lstStyle/>
-          <a:p>
-            <a:pPr algn="ctr"/>
-            <a:r>
-              <a:rPr lang="en-US" dirty="0" smtClean="0"/>
-              <a:t>Login</a:t>
-            </a:r>
-            <a:endParaRPr lang="en-US" dirty="0"/>
-          </a:p>
-        </p:txBody>
-      </p:sp>
-      <p:sp>
-        <p:nvSpPr>
-          <p:cNvPr id="45" name="Elipse 44"/>
-          <p:cNvSpPr/>
-          <p:nvPr/>
-        </p:nvSpPr>
-        <p:spPr>
-          <a:xfrm>
-            <a:off x="4402183" y="1014549"/>
-            <a:ext cx="300447" cy="316776"/>
-          </a:xfrm>
-          <a:prstGeom prst="ellipse">
-            <a:avLst/>
-          </a:prstGeom>
-        </p:spPr>
-        <p:style>
-          <a:lnRef idx="2">
-            <a:schemeClr val="accent1">
-              <a:shade val="50000"/>
-            </a:schemeClr>
-          </a:lnRef>
-          <a:fillRef idx="1">
-            <a:schemeClr val="accent1"/>
-          </a:fillRef>
-          <a:effectRef idx="0">
-            <a:schemeClr val="accent1"/>
-          </a:effectRef>
-          <a:fontRef idx="minor">
-            <a:schemeClr val="lt1"/>
-          </a:fontRef>
-        </p:style>
-        <p:txBody>
-          <a:bodyPr rtlCol="0" anchor="ctr"/>
-          <a:lstStyle/>
-          <a:p>
-            <a:pPr algn="ctr"/>
-            <a:endParaRPr lang="en-US"/>
-          </a:p>
-        </p:txBody>
-      </p:sp>
-      <p:sp>
-        <p:nvSpPr>
-          <p:cNvPr id="80" name="Elipse 79"/>
-          <p:cNvSpPr/>
-          <p:nvPr/>
-        </p:nvSpPr>
-        <p:spPr>
-          <a:xfrm>
-            <a:off x="266681" y="-1795480"/>
-            <a:ext cx="4320000" cy="4320000"/>
-          </a:xfrm>
-          <a:prstGeom prst="ellipse">
-            <a:avLst/>
-          </a:prstGeom>
-          <a:solidFill>
-            <a:srgbClr val="FFB233"/>
           </a:solidFill>
           <a:ln>
             <a:noFill/>
@@ -6003,7 +5159,7 @@
           <p:nvPr/>
         </p:nvPicPr>
         <p:blipFill rotWithShape="1">
-          <a:blip r:embed="rId2">
+          <a:blip r:embed="rId3">
             <a:extLst>
               <a:ext uri="{28A0092B-C50C-407E-A947-70E740481C1C}">
                 <a14:useLocalDpi xmlns:a14="http://schemas.microsoft.com/office/drawing/2010/main" val="0"/>
@@ -6015,7 +5171,7 @@
         </p:blipFill>
         <p:spPr>
           <a:xfrm>
-            <a:off x="2930366" y="3062354"/>
+            <a:off x="6005018" y="1233216"/>
             <a:ext cx="1100377" cy="1366840"/>
           </a:xfrm>
           <a:prstGeom prst="rect">
@@ -6025,14 +5181,200 @@
       </p:pic>
       <p:pic>
         <p:nvPicPr>
-          <p:cNvPr id="77" name="Imagem 76"/>
+          <p:cNvPr id="3" name="Imagem 2"/>
           <p:cNvPicPr>
             <a:picLocks noChangeAspect="1"/>
           </p:cNvPicPr>
           <p:nvPr/>
         </p:nvPicPr>
         <p:blipFill rotWithShape="1">
-          <a:blip r:embed="rId3" cstate="print">
+          <a:blip r:embed="rId4">
+            <a:extLst>
+              <a:ext uri="{28A0092B-C50C-407E-A947-70E740481C1C}">
+                <a14:useLocalDpi xmlns:a14="http://schemas.microsoft.com/office/drawing/2010/main" val="0"/>
+              </a:ext>
+            </a:extLst>
+          </a:blip>
+          <a:srcRect l="16562" t="47820" r="12196"/>
+          <a:stretch/>
+        </p:blipFill>
+        <p:spPr>
+          <a:xfrm>
+            <a:off x="5109882" y="1116106"/>
+            <a:ext cx="3079377" cy="1644658"/>
+          </a:xfrm>
+          <a:prstGeom prst="rect">
+            <a:avLst/>
+          </a:prstGeom>
+        </p:spPr>
+      </p:pic>
+      <p:pic>
+        <p:nvPicPr>
+          <p:cNvPr id="5" name="Imagem 4"/>
+          <p:cNvPicPr>
+            <a:picLocks noChangeAspect="1"/>
+          </p:cNvPicPr>
+          <p:nvPr/>
+        </p:nvPicPr>
+        <p:blipFill>
+          <a:blip r:embed="rId5">
+            <a:extLst>
+              <a:ext uri="{28A0092B-C50C-407E-A947-70E740481C1C}">
+                <a14:useLocalDpi xmlns:a14="http://schemas.microsoft.com/office/drawing/2010/main" val="0"/>
+              </a:ext>
+            </a:extLst>
+          </a:blip>
+          <a:stretch>
+            <a:fillRect/>
+          </a:stretch>
+        </p:blipFill>
+        <p:spPr>
+          <a:xfrm>
+            <a:off x="440639" y="23802"/>
+            <a:ext cx="4316342" cy="2139881"/>
+          </a:xfrm>
+          <a:prstGeom prst="rect">
+            <a:avLst/>
+          </a:prstGeom>
+        </p:spPr>
+      </p:pic>
+      <p:sp>
+        <p:nvSpPr>
+          <p:cNvPr id="47" name="Elipse 46"/>
+          <p:cNvSpPr/>
+          <p:nvPr/>
+        </p:nvSpPr>
+        <p:spPr>
+          <a:xfrm>
+            <a:off x="5923389" y="2085266"/>
+            <a:ext cx="1440000" cy="1440000"/>
+          </a:xfrm>
+          <a:prstGeom prst="ellipse">
+            <a:avLst/>
+          </a:prstGeom>
+          <a:solidFill>
+            <a:schemeClr val="bg1"/>
+          </a:solidFill>
+          <a:ln>
+            <a:noFill/>
+          </a:ln>
+        </p:spPr>
+        <p:style>
+          <a:lnRef idx="2">
+            <a:schemeClr val="accent1">
+              <a:shade val="50000"/>
+            </a:schemeClr>
+          </a:lnRef>
+          <a:fillRef idx="1">
+            <a:schemeClr val="accent1"/>
+          </a:fillRef>
+          <a:effectRef idx="0">
+            <a:schemeClr val="accent1"/>
+          </a:effectRef>
+          <a:fontRef idx="minor">
+            <a:schemeClr val="lt1"/>
+          </a:fontRef>
+        </p:style>
+        <p:txBody>
+          <a:bodyPr rtlCol="0" anchor="ctr"/>
+          <a:lstStyle/>
+          <a:p>
+            <a:pPr algn="ctr"/>
+            <a:endParaRPr lang="en-US"/>
+          </a:p>
+        </p:txBody>
+      </p:sp>
+      <p:pic>
+        <p:nvPicPr>
+          <p:cNvPr id="7" name="Imagem 6"/>
+          <p:cNvPicPr>
+            <a:picLocks noChangeAspect="1"/>
+          </p:cNvPicPr>
+          <p:nvPr/>
+        </p:nvPicPr>
+        <p:blipFill rotWithShape="1">
+          <a:blip r:embed="rId6">
+            <a:extLst>
+              <a:ext uri="{28A0092B-C50C-407E-A947-70E740481C1C}">
+                <a14:useLocalDpi xmlns:a14="http://schemas.microsoft.com/office/drawing/2010/main" val="0"/>
+              </a:ext>
+            </a:extLst>
+          </a:blip>
+          <a:srcRect b="9570"/>
+          <a:stretch/>
+        </p:blipFill>
+        <p:spPr>
+          <a:xfrm>
+            <a:off x="6075237" y="2375463"/>
+            <a:ext cx="1136304" cy="867001"/>
+          </a:xfrm>
+          <a:prstGeom prst="rect">
+            <a:avLst/>
+          </a:prstGeom>
+        </p:spPr>
+      </p:pic>
+      <p:sp>
+        <p:nvSpPr>
+          <p:cNvPr id="14" name="Retângulo Arredondado 13"/>
+          <p:cNvSpPr/>
+          <p:nvPr/>
+        </p:nvSpPr>
+        <p:spPr>
+          <a:xfrm>
+            <a:off x="5745235" y="4332591"/>
+            <a:ext cx="1796307" cy="400771"/>
+          </a:xfrm>
+          <a:prstGeom prst="roundRect">
+            <a:avLst>
+              <a:gd name="adj" fmla="val 50000"/>
+            </a:avLst>
+          </a:prstGeom>
+          <a:solidFill>
+            <a:srgbClr val="F12177"/>
+          </a:solidFill>
+          <a:ln>
+            <a:noFill/>
+          </a:ln>
+        </p:spPr>
+        <p:style>
+          <a:lnRef idx="2">
+            <a:schemeClr val="accent1">
+              <a:shade val="50000"/>
+            </a:schemeClr>
+          </a:lnRef>
+          <a:fillRef idx="1">
+            <a:schemeClr val="accent1"/>
+          </a:fillRef>
+          <a:effectRef idx="0">
+            <a:schemeClr val="accent1"/>
+          </a:effectRef>
+          <a:fontRef idx="minor">
+            <a:schemeClr val="lt1"/>
+          </a:fontRef>
+        </p:style>
+        <p:txBody>
+          <a:bodyPr rtlCol="0" anchor="ctr"/>
+          <a:lstStyle/>
+          <a:p>
+            <a:pPr algn="ctr"/>
+            <a:r>
+              <a:rPr lang="en-US" dirty="0" smtClean="0"/>
+              <a:t>LOGIN</a:t>
+            </a:r>
+            <a:endParaRPr lang="en-US" dirty="0"/>
+          </a:p>
+        </p:txBody>
+      </p:sp>
+      <p:pic>
+        <p:nvPicPr>
+          <p:cNvPr id="48" name="Imagem 47"/>
+          <p:cNvPicPr>
+            <a:picLocks noChangeAspect="1"/>
+          </p:cNvPicPr>
+          <p:nvPr/>
+        </p:nvPicPr>
+        <p:blipFill rotWithShape="1">
+          <a:blip r:embed="rId2" cstate="print">
             <a:extLst>
               <a:ext uri="{28A0092B-C50C-407E-A947-70E740481C1C}">
                 <a14:useLocalDpi xmlns:a14="http://schemas.microsoft.com/office/drawing/2010/main" val="0"/>
@@ -6044,7 +5386,7 @@
         </p:blipFill>
         <p:spPr>
           <a:xfrm>
-            <a:off x="1557470" y="2631439"/>
+            <a:off x="5806001" y="3242464"/>
             <a:ext cx="1674774" cy="611025"/>
           </a:xfrm>
           <a:prstGeom prst="rect">
@@ -6054,20 +5396,107 @@
       </p:pic>
       <p:sp>
         <p:nvSpPr>
-          <p:cNvPr id="79" name="Elipse 78"/>
+          <p:cNvPr id="51" name="Forma Livre 50"/>
           <p:cNvSpPr/>
           <p:nvPr/>
         </p:nvSpPr>
         <p:spPr>
           <a:xfrm>
-            <a:off x="626681" y="-1361171"/>
-            <a:ext cx="3600000" cy="3600000"/>
-          </a:xfrm>
-          <a:prstGeom prst="ellipse">
+            <a:off x="5115035" y="5042647"/>
+            <a:ext cx="3056708" cy="550826"/>
+          </a:xfrm>
+          <a:custGeom>
             <a:avLst/>
-          </a:prstGeom>
+            <a:gdLst>
+              <a:gd name="connsiteX0" fmla="*/ 479533 w 3056708"/>
+              <a:gd name="connsiteY0" fmla="*/ 0 h 550826"/>
+              <a:gd name="connsiteX1" fmla="*/ 2586520 w 3056708"/>
+              <a:gd name="connsiteY1" fmla="*/ 0 h 550826"/>
+              <a:gd name="connsiteX2" fmla="*/ 3035898 w 3056708"/>
+              <a:gd name="connsiteY2" fmla="*/ 297868 h 550826"/>
+              <a:gd name="connsiteX3" fmla="*/ 3056708 w 3056708"/>
+              <a:gd name="connsiteY3" fmla="*/ 364908 h 550826"/>
+              <a:gd name="connsiteX4" fmla="*/ 3056708 w 3056708"/>
+              <a:gd name="connsiteY4" fmla="*/ 550826 h 550826"/>
+              <a:gd name="connsiteX5" fmla="*/ 0 w 3056708"/>
+              <a:gd name="connsiteY5" fmla="*/ 550826 h 550826"/>
+              <a:gd name="connsiteX6" fmla="*/ 0 w 3056708"/>
+              <a:gd name="connsiteY6" fmla="*/ 406650 h 550826"/>
+              <a:gd name="connsiteX7" fmla="*/ 1738 w 3056708"/>
+              <a:gd name="connsiteY7" fmla="*/ 389415 h 550826"/>
+              <a:gd name="connsiteX8" fmla="*/ 479533 w 3056708"/>
+              <a:gd name="connsiteY8" fmla="*/ 0 h 550826"/>
+            </a:gdLst>
+            <a:ahLst/>
+            <a:cxnLst>
+              <a:cxn ang="0">
+                <a:pos x="connsiteX0" y="connsiteY0"/>
+              </a:cxn>
+              <a:cxn ang="0">
+                <a:pos x="connsiteX1" y="connsiteY1"/>
+              </a:cxn>
+              <a:cxn ang="0">
+                <a:pos x="connsiteX2" y="connsiteY2"/>
+              </a:cxn>
+              <a:cxn ang="0">
+                <a:pos x="connsiteX3" y="connsiteY3"/>
+              </a:cxn>
+              <a:cxn ang="0">
+                <a:pos x="connsiteX4" y="connsiteY4"/>
+              </a:cxn>
+              <a:cxn ang="0">
+                <a:pos x="connsiteX5" y="connsiteY5"/>
+              </a:cxn>
+              <a:cxn ang="0">
+                <a:pos x="connsiteX6" y="connsiteY6"/>
+              </a:cxn>
+              <a:cxn ang="0">
+                <a:pos x="connsiteX7" y="connsiteY7"/>
+              </a:cxn>
+              <a:cxn ang="0">
+                <a:pos x="connsiteX8" y="connsiteY8"/>
+              </a:cxn>
+            </a:cxnLst>
+            <a:rect l="l" t="t" r="r" b="b"/>
+            <a:pathLst>
+              <a:path w="3056708" h="550826">
+                <a:moveTo>
+                  <a:pt x="479533" y="0"/>
+                </a:moveTo>
+                <a:lnTo>
+                  <a:pt x="2586520" y="0"/>
+                </a:lnTo>
+                <a:cubicBezTo>
+                  <a:pt x="2788533" y="0"/>
+                  <a:pt x="2961860" y="122824"/>
+                  <a:pt x="3035898" y="297868"/>
+                </a:cubicBezTo>
+                <a:lnTo>
+                  <a:pt x="3056708" y="364908"/>
+                </a:lnTo>
+                <a:lnTo>
+                  <a:pt x="3056708" y="550826"/>
+                </a:lnTo>
+                <a:lnTo>
+                  <a:pt x="0" y="550826"/>
+                </a:lnTo>
+                <a:lnTo>
+                  <a:pt x="0" y="406650"/>
+                </a:lnTo>
+                <a:lnTo>
+                  <a:pt x="1738" y="389415"/>
+                </a:lnTo>
+                <a:cubicBezTo>
+                  <a:pt x="47214" y="167177"/>
+                  <a:pt x="243851" y="0"/>
+                  <a:pt x="479533" y="0"/>
+                </a:cubicBezTo>
+                <a:close/>
+              </a:path>
+            </a:pathLst>
+          </a:custGeom>
           <a:solidFill>
-            <a:srgbClr val="FB7642"/>
+            <a:srgbClr val="FFB233"/>
           </a:solidFill>
           <a:ln>
             <a:noFill/>
@@ -6094,191 +5523,22 @@
           <a:lstStyle/>
           <a:p>
             <a:pPr algn="ctr"/>
-            <a:endParaRPr lang="en-US"/>
-          </a:p>
-        </p:txBody>
-      </p:sp>
-      <p:sp>
-        <p:nvSpPr>
-          <p:cNvPr id="78" name="Elipse 77"/>
-          <p:cNvSpPr/>
-          <p:nvPr/>
-        </p:nvSpPr>
-        <p:spPr>
-          <a:xfrm>
-            <a:off x="986681" y="-1001171"/>
-            <a:ext cx="2880000" cy="2880000"/>
-          </a:xfrm>
-          <a:prstGeom prst="ellipse">
-            <a:avLst/>
-          </a:prstGeom>
-          <a:solidFill>
-            <a:srgbClr val="F55258"/>
-          </a:solidFill>
-          <a:ln>
-            <a:noFill/>
-          </a:ln>
-        </p:spPr>
-        <p:style>
-          <a:lnRef idx="2">
-            <a:schemeClr val="accent1">
-              <a:shade val="50000"/>
-            </a:schemeClr>
-          </a:lnRef>
-          <a:fillRef idx="1">
-            <a:schemeClr val="accent1"/>
-          </a:fillRef>
-          <a:effectRef idx="0">
-            <a:schemeClr val="accent1"/>
-          </a:effectRef>
-          <a:fontRef idx="minor">
-            <a:schemeClr val="lt1"/>
-          </a:fontRef>
-        </p:style>
-        <p:txBody>
-          <a:bodyPr rtlCol="0" anchor="ctr"/>
-          <a:lstStyle/>
+            <a:endParaRPr lang="en-US" dirty="0" smtClean="0"/>
+          </a:p>
           <a:p>
             <a:pPr algn="ctr"/>
-            <a:endParaRPr lang="en-US"/>
-          </a:p>
-        </p:txBody>
-      </p:sp>
-      <p:sp>
-        <p:nvSpPr>
-          <p:cNvPr id="15" name="Elipse 14"/>
-          <p:cNvSpPr/>
-          <p:nvPr/>
-        </p:nvSpPr>
-        <p:spPr>
-          <a:xfrm>
-            <a:off x="1346681" y="-646291"/>
-            <a:ext cx="2160000" cy="2160000"/>
-          </a:xfrm>
-          <a:prstGeom prst="ellipse">
-            <a:avLst/>
-          </a:prstGeom>
-          <a:solidFill>
-            <a:srgbClr val="F12177"/>
-          </a:solidFill>
-          <a:ln>
-            <a:noFill/>
-          </a:ln>
-        </p:spPr>
-        <p:style>
-          <a:lnRef idx="2">
-            <a:schemeClr val="accent1">
-              <a:shade val="50000"/>
-            </a:schemeClr>
-          </a:lnRef>
-          <a:fillRef idx="1">
-            <a:schemeClr val="accent1"/>
-          </a:fillRef>
-          <a:effectRef idx="0">
-            <a:schemeClr val="accent1"/>
-          </a:effectRef>
-          <a:fontRef idx="minor">
-            <a:schemeClr val="lt1"/>
-          </a:fontRef>
-        </p:style>
-        <p:txBody>
-          <a:bodyPr rtlCol="0" anchor="ctr"/>
-          <a:lstStyle/>
+            <a:r>
+              <a:rPr lang="en-US" dirty="0" smtClean="0"/>
+              <a:t>CADASTRO</a:t>
+            </a:r>
+          </a:p>
           <a:p>
             <a:pPr algn="ctr"/>
-            <a:endParaRPr lang="en-US"/>
-          </a:p>
-        </p:txBody>
-      </p:sp>
-      <p:sp>
-        <p:nvSpPr>
-          <p:cNvPr id="81" name="Elipse 80"/>
-          <p:cNvSpPr/>
-          <p:nvPr/>
-        </p:nvSpPr>
-        <p:spPr>
-          <a:xfrm>
-            <a:off x="1708627" y="-286291"/>
-            <a:ext cx="1440000" cy="1440000"/>
-          </a:xfrm>
-          <a:prstGeom prst="ellipse">
-            <a:avLst/>
-          </a:prstGeom>
-          <a:solidFill>
-            <a:srgbClr val="391E77"/>
-          </a:solidFill>
-          <a:ln>
-            <a:noFill/>
-          </a:ln>
-        </p:spPr>
-        <p:style>
-          <a:lnRef idx="2">
-            <a:schemeClr val="accent1">
-              <a:shade val="50000"/>
-            </a:schemeClr>
-          </a:lnRef>
-          <a:fillRef idx="1">
-            <a:schemeClr val="accent1"/>
-          </a:fillRef>
-          <a:effectRef idx="0">
-            <a:schemeClr val="accent1"/>
-          </a:effectRef>
-          <a:fontRef idx="minor">
-            <a:schemeClr val="lt1"/>
-          </a:fontRef>
-        </p:style>
-        <p:txBody>
-          <a:bodyPr rtlCol="0" anchor="ctr"/>
-          <a:lstStyle/>
+            <a:endParaRPr lang="en-US" sz="800" dirty="0" smtClean="0"/>
+          </a:p>
           <a:p>
             <a:pPr algn="ctr"/>
-            <a:endParaRPr lang="en-US"/>
-          </a:p>
-        </p:txBody>
-      </p:sp>
-      <p:sp>
-        <p:nvSpPr>
-          <p:cNvPr id="82" name="Elipse 81"/>
-          <p:cNvSpPr/>
-          <p:nvPr/>
-        </p:nvSpPr>
-        <p:spPr>
-          <a:xfrm>
-            <a:off x="2074544" y="4520"/>
-            <a:ext cx="720000" cy="720000"/>
-          </a:xfrm>
-          <a:prstGeom prst="ellipse">
-            <a:avLst/>
-          </a:prstGeom>
-          <a:solidFill>
-            <a:srgbClr val="1E1567"/>
-          </a:solidFill>
-          <a:ln>
-            <a:noFill/>
-          </a:ln>
-        </p:spPr>
-        <p:style>
-          <a:lnRef idx="2">
-            <a:schemeClr val="accent1">
-              <a:shade val="50000"/>
-            </a:schemeClr>
-          </a:lnRef>
-          <a:fillRef idx="1">
-            <a:schemeClr val="accent1"/>
-          </a:fillRef>
-          <a:effectRef idx="0">
-            <a:schemeClr val="accent1"/>
-          </a:effectRef>
-          <a:fontRef idx="minor">
-            <a:schemeClr val="lt1"/>
-          </a:fontRef>
-        </p:style>
-        <p:txBody>
-          <a:bodyPr rtlCol="0" anchor="ctr"/>
-          <a:lstStyle/>
-          <a:p>
-            <a:pPr algn="ctr"/>
-            <a:endParaRPr lang="en-US"/>
+            <a:endParaRPr lang="en-US" dirty="0"/>
           </a:p>
         </p:txBody>
       </p:sp>

--- a/imagens/rascunho.pptx
+++ b/imagens/rascunho.pptx
@@ -7,6 +7,7 @@
   <p:sldIdLst>
     <p:sldId id="256" r:id="rId2"/>
     <p:sldId id="257" r:id="rId3"/>
+    <p:sldId id="258" r:id="rId4"/>
   </p:sldIdLst>
   <p:sldSz cx="12192000" cy="6858000"/>
   <p:notesSz cx="6858000" cy="9144000"/>
@@ -244,7 +245,7 @@
           <a:p>
             <a:fld id="{0B428E07-6BA0-40C1-939D-DFC7C159623A}" type="datetimeFigureOut">
               <a:rPr lang="en-US" smtClean="0"/>
-              <a:t>7/7/2020</a:t>
+              <a:t>7/8/2020</a:t>
             </a:fld>
             <a:endParaRPr lang="en-US"/>
           </a:p>
@@ -414,7 +415,7 @@
           <a:p>
             <a:fld id="{0B428E07-6BA0-40C1-939D-DFC7C159623A}" type="datetimeFigureOut">
               <a:rPr lang="en-US" smtClean="0"/>
-              <a:t>7/7/2020</a:t>
+              <a:t>7/8/2020</a:t>
             </a:fld>
             <a:endParaRPr lang="en-US"/>
           </a:p>
@@ -594,7 +595,7 @@
           <a:p>
             <a:fld id="{0B428E07-6BA0-40C1-939D-DFC7C159623A}" type="datetimeFigureOut">
               <a:rPr lang="en-US" smtClean="0"/>
-              <a:t>7/7/2020</a:t>
+              <a:t>7/8/2020</a:t>
             </a:fld>
             <a:endParaRPr lang="en-US"/>
           </a:p>
@@ -764,7 +765,7 @@
           <a:p>
             <a:fld id="{0B428E07-6BA0-40C1-939D-DFC7C159623A}" type="datetimeFigureOut">
               <a:rPr lang="en-US" smtClean="0"/>
-              <a:t>7/7/2020</a:t>
+              <a:t>7/8/2020</a:t>
             </a:fld>
             <a:endParaRPr lang="en-US"/>
           </a:p>
@@ -1010,7 +1011,7 @@
           <a:p>
             <a:fld id="{0B428E07-6BA0-40C1-939D-DFC7C159623A}" type="datetimeFigureOut">
               <a:rPr lang="en-US" smtClean="0"/>
-              <a:t>7/7/2020</a:t>
+              <a:t>7/8/2020</a:t>
             </a:fld>
             <a:endParaRPr lang="en-US"/>
           </a:p>
@@ -1242,7 +1243,7 @@
           <a:p>
             <a:fld id="{0B428E07-6BA0-40C1-939D-DFC7C159623A}" type="datetimeFigureOut">
               <a:rPr lang="en-US" smtClean="0"/>
-              <a:t>7/7/2020</a:t>
+              <a:t>7/8/2020</a:t>
             </a:fld>
             <a:endParaRPr lang="en-US"/>
           </a:p>
@@ -1609,7 +1610,7 @@
           <a:p>
             <a:fld id="{0B428E07-6BA0-40C1-939D-DFC7C159623A}" type="datetimeFigureOut">
               <a:rPr lang="en-US" smtClean="0"/>
-              <a:t>7/7/2020</a:t>
+              <a:t>7/8/2020</a:t>
             </a:fld>
             <a:endParaRPr lang="en-US"/>
           </a:p>
@@ -1727,7 +1728,7 @@
           <a:p>
             <a:fld id="{0B428E07-6BA0-40C1-939D-DFC7C159623A}" type="datetimeFigureOut">
               <a:rPr lang="en-US" smtClean="0"/>
-              <a:t>7/7/2020</a:t>
+              <a:t>7/8/2020</a:t>
             </a:fld>
             <a:endParaRPr lang="en-US"/>
           </a:p>
@@ -1822,7 +1823,7 @@
           <a:p>
             <a:fld id="{0B428E07-6BA0-40C1-939D-DFC7C159623A}" type="datetimeFigureOut">
               <a:rPr lang="en-US" smtClean="0"/>
-              <a:t>7/7/2020</a:t>
+              <a:t>7/8/2020</a:t>
             </a:fld>
             <a:endParaRPr lang="en-US"/>
           </a:p>
@@ -2099,7 +2100,7 @@
           <a:p>
             <a:fld id="{0B428E07-6BA0-40C1-939D-DFC7C159623A}" type="datetimeFigureOut">
               <a:rPr lang="en-US" smtClean="0"/>
-              <a:t>7/7/2020</a:t>
+              <a:t>7/8/2020</a:t>
             </a:fld>
             <a:endParaRPr lang="en-US"/>
           </a:p>
@@ -2352,7 +2353,7 @@
           <a:p>
             <a:fld id="{0B428E07-6BA0-40C1-939D-DFC7C159623A}" type="datetimeFigureOut">
               <a:rPr lang="en-US" smtClean="0"/>
-              <a:t>7/7/2020</a:t>
+              <a:t>7/8/2020</a:t>
             </a:fld>
             <a:endParaRPr lang="en-US"/>
           </a:p>
@@ -2565,7 +2566,7 @@
           <a:p>
             <a:fld id="{0B428E07-6BA0-40C1-939D-DFC7C159623A}" type="datetimeFigureOut">
               <a:rPr lang="en-US" smtClean="0"/>
-              <a:t>7/7/2020</a:t>
+              <a:t>7/8/2020</a:t>
             </a:fld>
             <a:endParaRPr lang="en-US"/>
           </a:p>
@@ -4692,7 +4693,7 @@
         </p:nvSpPr>
         <p:spPr>
           <a:xfrm>
-            <a:off x="1208315" y="3149557"/>
+            <a:off x="5368663" y="321854"/>
             <a:ext cx="2373085" cy="529048"/>
           </a:xfrm>
           <a:prstGeom prst="rect">
@@ -4730,7 +4731,7 @@
             <a:pPr algn="ctr"/>
             <a:r>
               <a:rPr lang="en-US" dirty="0" smtClean="0"/>
-              <a:t>Login</a:t>
+              <a:t>Entrada</a:t>
             </a:r>
             <a:endParaRPr lang="en-US" dirty="0"/>
           </a:p>
@@ -4783,9 +4784,7 @@
             <a:schemeClr val="bg1"/>
           </a:solidFill>
           <a:ln>
-            <a:solidFill>
-              <a:schemeClr val="tx1"/>
-            </a:solidFill>
+            <a:noFill/>
           </a:ln>
         </p:spPr>
         <p:style>
@@ -4813,36 +4812,170 @@
           </a:p>
         </p:txBody>
       </p:sp>
+      <p:sp>
+        <p:nvSpPr>
+          <p:cNvPr id="46" name="Elipse 45"/>
+          <p:cNvSpPr/>
+          <p:nvPr/>
+        </p:nvSpPr>
+        <p:spPr>
+          <a:xfrm>
+            <a:off x="5923389" y="1224264"/>
+            <a:ext cx="1440000" cy="1440000"/>
+          </a:xfrm>
+          <a:prstGeom prst="ellipse">
+            <a:avLst/>
+          </a:prstGeom>
+          <a:solidFill>
+            <a:schemeClr val="bg1"/>
+          </a:solidFill>
+          <a:ln>
+            <a:noFill/>
+          </a:ln>
+        </p:spPr>
+        <p:style>
+          <a:lnRef idx="2">
+            <a:schemeClr val="accent1">
+              <a:shade val="50000"/>
+            </a:schemeClr>
+          </a:lnRef>
+          <a:fillRef idx="1">
+            <a:schemeClr val="accent1"/>
+          </a:fillRef>
+          <a:effectRef idx="0">
+            <a:schemeClr val="accent1"/>
+          </a:effectRef>
+          <a:fontRef idx="minor">
+            <a:schemeClr val="lt1"/>
+          </a:fontRef>
+        </p:style>
+        <p:txBody>
+          <a:bodyPr rtlCol="0" anchor="ctr"/>
+          <a:lstStyle/>
+          <a:p>
+            <a:pPr algn="ctr"/>
+            <a:endParaRPr lang="en-US"/>
+          </a:p>
+        </p:txBody>
+      </p:sp>
+      <p:pic>
+        <p:nvPicPr>
+          <p:cNvPr id="13" name="Imagem 12"/>
+          <p:cNvPicPr>
+            <a:picLocks noChangeAspect="1"/>
+          </p:cNvPicPr>
+          <p:nvPr/>
+        </p:nvPicPr>
+        <p:blipFill rotWithShape="1">
+          <a:blip r:embed="rId3">
+            <a:extLst>
+              <a:ext uri="{28A0092B-C50C-407E-A947-70E740481C1C}">
+                <a14:useLocalDpi xmlns:a14="http://schemas.microsoft.com/office/drawing/2010/main" val="0"/>
+              </a:ext>
+            </a:extLst>
+          </a:blip>
+          <a:srcRect l="81318" t="18280"/>
+          <a:stretch/>
+        </p:blipFill>
+        <p:spPr>
+          <a:xfrm>
+            <a:off x="6005018" y="1233216"/>
+            <a:ext cx="1100377" cy="1366840"/>
+          </a:xfrm>
+          <a:prstGeom prst="rect">
+            <a:avLst/>
+          </a:prstGeom>
+        </p:spPr>
+      </p:pic>
+      <p:pic>
+        <p:nvPicPr>
+          <p:cNvPr id="3" name="Imagem 2"/>
+          <p:cNvPicPr>
+            <a:picLocks noChangeAspect="1"/>
+          </p:cNvPicPr>
+          <p:nvPr/>
+        </p:nvPicPr>
+        <p:blipFill rotWithShape="1">
+          <a:blip r:embed="rId4">
+            <a:extLst>
+              <a:ext uri="{28A0092B-C50C-407E-A947-70E740481C1C}">
+                <a14:useLocalDpi xmlns:a14="http://schemas.microsoft.com/office/drawing/2010/main" val="0"/>
+              </a:ext>
+            </a:extLst>
+          </a:blip>
+          <a:srcRect l="16562" t="47820" r="12196"/>
+          <a:stretch/>
+        </p:blipFill>
+        <p:spPr>
+          <a:xfrm>
+            <a:off x="5109882" y="1116106"/>
+            <a:ext cx="3079377" cy="1644658"/>
+          </a:xfrm>
+          <a:prstGeom prst="rect">
+            <a:avLst/>
+          </a:prstGeom>
+        </p:spPr>
+      </p:pic>
+      <p:pic>
+        <p:nvPicPr>
+          <p:cNvPr id="5" name="Imagem 4"/>
+          <p:cNvPicPr>
+            <a:picLocks noChangeAspect="1"/>
+          </p:cNvPicPr>
+          <p:nvPr/>
+        </p:nvPicPr>
+        <p:blipFill>
+          <a:blip r:embed="rId5">
+            <a:extLst>
+              <a:ext uri="{28A0092B-C50C-407E-A947-70E740481C1C}">
+                <a14:useLocalDpi xmlns:a14="http://schemas.microsoft.com/office/drawing/2010/main" val="0"/>
+              </a:ext>
+            </a:extLst>
+          </a:blip>
+          <a:stretch>
+            <a:fillRect/>
+          </a:stretch>
+        </p:blipFill>
+        <p:spPr>
+          <a:xfrm>
+            <a:off x="440639" y="23802"/>
+            <a:ext cx="4316342" cy="2139881"/>
+          </a:xfrm>
+          <a:prstGeom prst="rect">
+            <a:avLst/>
+          </a:prstGeom>
+        </p:spPr>
+      </p:pic>
       <p:grpSp>
         <p:nvGrpSpPr>
-          <p:cNvPr id="2" name="Agrupar 1"/>
+          <p:cNvPr id="11" name="Agrupar 10"/>
           <p:cNvGrpSpPr/>
           <p:nvPr/>
         </p:nvGrpSpPr>
         <p:grpSpPr>
           <a:xfrm>
-            <a:off x="8409930" y="-212606"/>
-            <a:ext cx="4320000" cy="3149557"/>
-            <a:chOff x="266681" y="-1795480"/>
-            <a:chExt cx="4320000" cy="4320000"/>
+            <a:off x="5923389" y="2085266"/>
+            <a:ext cx="1440000" cy="1440000"/>
+            <a:chOff x="5923389" y="2085266"/>
+            <a:chExt cx="1440000" cy="1440000"/>
           </a:xfrm>
         </p:grpSpPr>
         <p:sp>
           <p:nvSpPr>
-            <p:cNvPr id="80" name="Elipse 79"/>
+            <p:cNvPr id="47" name="Elipse 46"/>
             <p:cNvSpPr/>
             <p:nvPr/>
           </p:nvSpPr>
           <p:spPr>
             <a:xfrm>
-              <a:off x="266681" y="-1795480"/>
-              <a:ext cx="4320000" cy="4320000"/>
+              <a:off x="5923389" y="2085266"/>
+              <a:ext cx="1440000" cy="1440000"/>
             </a:xfrm>
             <a:prstGeom prst="ellipse">
               <a:avLst/>
             </a:prstGeom>
             <a:solidFill>
-              <a:srgbClr val="FFB233"/>
+              <a:schemeClr val="bg1"/>
             </a:solidFill>
             <a:ln>
               <a:noFill/>
@@ -4873,446 +5006,47 @@
             </a:p>
           </p:txBody>
         </p:sp>
-        <p:sp>
-          <p:nvSpPr>
-            <p:cNvPr id="79" name="Elipse 78"/>
-            <p:cNvSpPr/>
+        <p:pic>
+          <p:nvPicPr>
+            <p:cNvPr id="7" name="Imagem 6"/>
+            <p:cNvPicPr>
+              <a:picLocks noChangeAspect="1"/>
+            </p:cNvPicPr>
             <p:nvPr/>
-          </p:nvSpPr>
+          </p:nvPicPr>
+          <p:blipFill rotWithShape="1">
+            <a:blip r:embed="rId6">
+              <a:extLst>
+                <a:ext uri="{BEBA8EAE-BF5A-486C-A8C5-ECC9F3942E4B}">
+                  <a14:imgProps xmlns:a14="http://schemas.microsoft.com/office/drawing/2010/main">
+                    <a14:imgLayer r:embed="rId7">
+                      <a14:imgEffect>
+                        <a14:backgroundRemoval t="3704" b="87407" l="4375" r="96250">
+                          <a14:foregroundMark x1="31250" y1="71852" x2="31250" y2="71852"/>
+                        </a14:backgroundRemoval>
+                      </a14:imgEffect>
+                    </a14:imgLayer>
+                  </a14:imgProps>
+                </a:ext>
+                <a:ext uri="{28A0092B-C50C-407E-A947-70E740481C1C}">
+                  <a14:useLocalDpi xmlns:a14="http://schemas.microsoft.com/office/drawing/2010/main" val="0"/>
+                </a:ext>
+              </a:extLst>
+            </a:blip>
+            <a:srcRect b="9570"/>
+            <a:stretch/>
+          </p:blipFill>
           <p:spPr>
             <a:xfrm>
-              <a:off x="626681" y="-1434948"/>
-              <a:ext cx="3600000" cy="3600000"/>
+              <a:off x="5976421" y="2359368"/>
+              <a:ext cx="1136304" cy="867001"/>
             </a:xfrm>
-            <a:prstGeom prst="ellipse">
+            <a:prstGeom prst="rect">
               <a:avLst/>
             </a:prstGeom>
-            <a:solidFill>
-              <a:srgbClr val="FB7642"/>
-            </a:solidFill>
-            <a:ln>
-              <a:noFill/>
-            </a:ln>
           </p:spPr>
-          <p:style>
-            <a:lnRef idx="2">
-              <a:schemeClr val="accent1">
-                <a:shade val="50000"/>
-              </a:schemeClr>
-            </a:lnRef>
-            <a:fillRef idx="1">
-              <a:schemeClr val="accent1"/>
-            </a:fillRef>
-            <a:effectRef idx="0">
-              <a:schemeClr val="accent1"/>
-            </a:effectRef>
-            <a:fontRef idx="minor">
-              <a:schemeClr val="lt1"/>
-            </a:fontRef>
-          </p:style>
-          <p:txBody>
-            <a:bodyPr rtlCol="0" anchor="ctr"/>
-            <a:lstStyle/>
-            <a:p>
-              <a:pPr algn="ctr"/>
-              <a:endParaRPr lang="en-US"/>
-            </a:p>
-          </p:txBody>
-        </p:sp>
-        <p:sp>
-          <p:nvSpPr>
-            <p:cNvPr id="78" name="Elipse 77"/>
-            <p:cNvSpPr/>
-            <p:nvPr/>
-          </p:nvSpPr>
-          <p:spPr>
-            <a:xfrm>
-              <a:off x="986681" y="-1074948"/>
-              <a:ext cx="2880000" cy="2880000"/>
-            </a:xfrm>
-            <a:prstGeom prst="ellipse">
-              <a:avLst/>
-            </a:prstGeom>
-            <a:solidFill>
-              <a:srgbClr val="F55258"/>
-            </a:solidFill>
-            <a:ln>
-              <a:noFill/>
-            </a:ln>
-          </p:spPr>
-          <p:style>
-            <a:lnRef idx="2">
-              <a:schemeClr val="accent1">
-                <a:shade val="50000"/>
-              </a:schemeClr>
-            </a:lnRef>
-            <a:fillRef idx="1">
-              <a:schemeClr val="accent1"/>
-            </a:fillRef>
-            <a:effectRef idx="0">
-              <a:schemeClr val="accent1"/>
-            </a:effectRef>
-            <a:fontRef idx="minor">
-              <a:schemeClr val="lt1"/>
-            </a:fontRef>
-          </p:style>
-          <p:txBody>
-            <a:bodyPr rtlCol="0" anchor="ctr"/>
-            <a:lstStyle/>
-            <a:p>
-              <a:pPr algn="ctr"/>
-              <a:endParaRPr lang="en-US"/>
-            </a:p>
-          </p:txBody>
-        </p:sp>
-        <p:sp>
-          <p:nvSpPr>
-            <p:cNvPr id="15" name="Elipse 14"/>
-            <p:cNvSpPr/>
-            <p:nvPr/>
-          </p:nvSpPr>
-          <p:spPr>
-            <a:xfrm>
-              <a:off x="1346681" y="-720068"/>
-              <a:ext cx="2160000" cy="2160001"/>
-            </a:xfrm>
-            <a:prstGeom prst="ellipse">
-              <a:avLst/>
-            </a:prstGeom>
-            <a:solidFill>
-              <a:srgbClr val="F12177"/>
-            </a:solidFill>
-            <a:ln>
-              <a:noFill/>
-            </a:ln>
-          </p:spPr>
-          <p:style>
-            <a:lnRef idx="2">
-              <a:schemeClr val="accent1">
-                <a:shade val="50000"/>
-              </a:schemeClr>
-            </a:lnRef>
-            <a:fillRef idx="1">
-              <a:schemeClr val="accent1"/>
-            </a:fillRef>
-            <a:effectRef idx="0">
-              <a:schemeClr val="accent1"/>
-            </a:effectRef>
-            <a:fontRef idx="minor">
-              <a:schemeClr val="lt1"/>
-            </a:fontRef>
-          </p:style>
-          <p:txBody>
-            <a:bodyPr rtlCol="0" anchor="ctr"/>
-            <a:lstStyle/>
-            <a:p>
-              <a:pPr algn="ctr"/>
-              <a:endParaRPr lang="en-US"/>
-            </a:p>
-          </p:txBody>
-        </p:sp>
-        <p:sp>
-          <p:nvSpPr>
-            <p:cNvPr id="81" name="Elipse 80"/>
-            <p:cNvSpPr/>
-            <p:nvPr/>
-          </p:nvSpPr>
-          <p:spPr>
-            <a:xfrm>
-              <a:off x="1708627" y="-360067"/>
-              <a:ext cx="1440000" cy="1440000"/>
-            </a:xfrm>
-            <a:prstGeom prst="ellipse">
-              <a:avLst/>
-            </a:prstGeom>
-            <a:solidFill>
-              <a:srgbClr val="391E77"/>
-            </a:solidFill>
-            <a:ln>
-              <a:noFill/>
-            </a:ln>
-          </p:spPr>
-          <p:style>
-            <a:lnRef idx="2">
-              <a:schemeClr val="accent1">
-                <a:shade val="50000"/>
-              </a:schemeClr>
-            </a:lnRef>
-            <a:fillRef idx="1">
-              <a:schemeClr val="accent1"/>
-            </a:fillRef>
-            <a:effectRef idx="0">
-              <a:schemeClr val="accent1"/>
-            </a:effectRef>
-            <a:fontRef idx="minor">
-              <a:schemeClr val="lt1"/>
-            </a:fontRef>
-          </p:style>
-          <p:txBody>
-            <a:bodyPr rtlCol="0" anchor="ctr"/>
-            <a:lstStyle/>
-            <a:p>
-              <a:pPr algn="ctr"/>
-              <a:endParaRPr lang="en-US"/>
-            </a:p>
-          </p:txBody>
-        </p:sp>
-        <p:sp>
-          <p:nvSpPr>
-            <p:cNvPr id="82" name="Elipse 81"/>
-            <p:cNvSpPr/>
-            <p:nvPr/>
-          </p:nvSpPr>
-          <p:spPr>
-            <a:xfrm>
-              <a:off x="2074544" y="-69257"/>
-              <a:ext cx="720000" cy="720000"/>
-            </a:xfrm>
-            <a:prstGeom prst="ellipse">
-              <a:avLst/>
-            </a:prstGeom>
-            <a:solidFill>
-              <a:srgbClr val="1E1567"/>
-            </a:solidFill>
-            <a:ln>
-              <a:noFill/>
-            </a:ln>
-          </p:spPr>
-          <p:style>
-            <a:lnRef idx="2">
-              <a:schemeClr val="accent1">
-                <a:shade val="50000"/>
-              </a:schemeClr>
-            </a:lnRef>
-            <a:fillRef idx="1">
-              <a:schemeClr val="accent1"/>
-            </a:fillRef>
-            <a:effectRef idx="0">
-              <a:schemeClr val="accent1"/>
-            </a:effectRef>
-            <a:fontRef idx="minor">
-              <a:schemeClr val="lt1"/>
-            </a:fontRef>
-          </p:style>
-          <p:txBody>
-            <a:bodyPr rtlCol="0" anchor="ctr"/>
-            <a:lstStyle/>
-            <a:p>
-              <a:pPr algn="ctr"/>
-              <a:endParaRPr lang="en-US"/>
-            </a:p>
-          </p:txBody>
-        </p:sp>
+        </p:pic>
       </p:grpSp>
-      <p:sp>
-        <p:nvSpPr>
-          <p:cNvPr id="46" name="Elipse 45"/>
-          <p:cNvSpPr/>
-          <p:nvPr/>
-        </p:nvSpPr>
-        <p:spPr>
-          <a:xfrm>
-            <a:off x="5923389" y="1224264"/>
-            <a:ext cx="1440000" cy="1440000"/>
-          </a:xfrm>
-          <a:prstGeom prst="ellipse">
-            <a:avLst/>
-          </a:prstGeom>
-          <a:solidFill>
-            <a:schemeClr val="bg1"/>
-          </a:solidFill>
-          <a:ln>
-            <a:noFill/>
-          </a:ln>
-        </p:spPr>
-        <p:style>
-          <a:lnRef idx="2">
-            <a:schemeClr val="accent1">
-              <a:shade val="50000"/>
-            </a:schemeClr>
-          </a:lnRef>
-          <a:fillRef idx="1">
-            <a:schemeClr val="accent1"/>
-          </a:fillRef>
-          <a:effectRef idx="0">
-            <a:schemeClr val="accent1"/>
-          </a:effectRef>
-          <a:fontRef idx="minor">
-            <a:schemeClr val="lt1"/>
-          </a:fontRef>
-        </p:style>
-        <p:txBody>
-          <a:bodyPr rtlCol="0" anchor="ctr"/>
-          <a:lstStyle/>
-          <a:p>
-            <a:pPr algn="ctr"/>
-            <a:endParaRPr lang="en-US"/>
-          </a:p>
-        </p:txBody>
-      </p:sp>
-      <p:pic>
-        <p:nvPicPr>
-          <p:cNvPr id="13" name="Imagem 12"/>
-          <p:cNvPicPr>
-            <a:picLocks noChangeAspect="1"/>
-          </p:cNvPicPr>
-          <p:nvPr/>
-        </p:nvPicPr>
-        <p:blipFill rotWithShape="1">
-          <a:blip r:embed="rId3">
-            <a:extLst>
-              <a:ext uri="{28A0092B-C50C-407E-A947-70E740481C1C}">
-                <a14:useLocalDpi xmlns:a14="http://schemas.microsoft.com/office/drawing/2010/main" val="0"/>
-              </a:ext>
-            </a:extLst>
-          </a:blip>
-          <a:srcRect l="81318" t="18280"/>
-          <a:stretch/>
-        </p:blipFill>
-        <p:spPr>
-          <a:xfrm>
-            <a:off x="6005018" y="1233216"/>
-            <a:ext cx="1100377" cy="1366840"/>
-          </a:xfrm>
-          <a:prstGeom prst="rect">
-            <a:avLst/>
-          </a:prstGeom>
-        </p:spPr>
-      </p:pic>
-      <p:pic>
-        <p:nvPicPr>
-          <p:cNvPr id="3" name="Imagem 2"/>
-          <p:cNvPicPr>
-            <a:picLocks noChangeAspect="1"/>
-          </p:cNvPicPr>
-          <p:nvPr/>
-        </p:nvPicPr>
-        <p:blipFill rotWithShape="1">
-          <a:blip r:embed="rId4">
-            <a:extLst>
-              <a:ext uri="{28A0092B-C50C-407E-A947-70E740481C1C}">
-                <a14:useLocalDpi xmlns:a14="http://schemas.microsoft.com/office/drawing/2010/main" val="0"/>
-              </a:ext>
-            </a:extLst>
-          </a:blip>
-          <a:srcRect l="16562" t="47820" r="12196"/>
-          <a:stretch/>
-        </p:blipFill>
-        <p:spPr>
-          <a:xfrm>
-            <a:off x="5109882" y="1116106"/>
-            <a:ext cx="3079377" cy="1644658"/>
-          </a:xfrm>
-          <a:prstGeom prst="rect">
-            <a:avLst/>
-          </a:prstGeom>
-        </p:spPr>
-      </p:pic>
-      <p:pic>
-        <p:nvPicPr>
-          <p:cNvPr id="5" name="Imagem 4"/>
-          <p:cNvPicPr>
-            <a:picLocks noChangeAspect="1"/>
-          </p:cNvPicPr>
-          <p:nvPr/>
-        </p:nvPicPr>
-        <p:blipFill>
-          <a:blip r:embed="rId5">
-            <a:extLst>
-              <a:ext uri="{28A0092B-C50C-407E-A947-70E740481C1C}">
-                <a14:useLocalDpi xmlns:a14="http://schemas.microsoft.com/office/drawing/2010/main" val="0"/>
-              </a:ext>
-            </a:extLst>
-          </a:blip>
-          <a:stretch>
-            <a:fillRect/>
-          </a:stretch>
-        </p:blipFill>
-        <p:spPr>
-          <a:xfrm>
-            <a:off x="440639" y="23802"/>
-            <a:ext cx="4316342" cy="2139881"/>
-          </a:xfrm>
-          <a:prstGeom prst="rect">
-            <a:avLst/>
-          </a:prstGeom>
-        </p:spPr>
-      </p:pic>
-      <p:sp>
-        <p:nvSpPr>
-          <p:cNvPr id="47" name="Elipse 46"/>
-          <p:cNvSpPr/>
-          <p:nvPr/>
-        </p:nvSpPr>
-        <p:spPr>
-          <a:xfrm>
-            <a:off x="5923389" y="2085266"/>
-            <a:ext cx="1440000" cy="1440000"/>
-          </a:xfrm>
-          <a:prstGeom prst="ellipse">
-            <a:avLst/>
-          </a:prstGeom>
-          <a:solidFill>
-            <a:schemeClr val="bg1"/>
-          </a:solidFill>
-          <a:ln>
-            <a:noFill/>
-          </a:ln>
-        </p:spPr>
-        <p:style>
-          <a:lnRef idx="2">
-            <a:schemeClr val="accent1">
-              <a:shade val="50000"/>
-            </a:schemeClr>
-          </a:lnRef>
-          <a:fillRef idx="1">
-            <a:schemeClr val="accent1"/>
-          </a:fillRef>
-          <a:effectRef idx="0">
-            <a:schemeClr val="accent1"/>
-          </a:effectRef>
-          <a:fontRef idx="minor">
-            <a:schemeClr val="lt1"/>
-          </a:fontRef>
-        </p:style>
-        <p:txBody>
-          <a:bodyPr rtlCol="0" anchor="ctr"/>
-          <a:lstStyle/>
-          <a:p>
-            <a:pPr algn="ctr"/>
-            <a:endParaRPr lang="en-US"/>
-          </a:p>
-        </p:txBody>
-      </p:sp>
-      <p:pic>
-        <p:nvPicPr>
-          <p:cNvPr id="7" name="Imagem 6"/>
-          <p:cNvPicPr>
-            <a:picLocks noChangeAspect="1"/>
-          </p:cNvPicPr>
-          <p:nvPr/>
-        </p:nvPicPr>
-        <p:blipFill rotWithShape="1">
-          <a:blip r:embed="rId6">
-            <a:extLst>
-              <a:ext uri="{28A0092B-C50C-407E-A947-70E740481C1C}">
-                <a14:useLocalDpi xmlns:a14="http://schemas.microsoft.com/office/drawing/2010/main" val="0"/>
-              </a:ext>
-            </a:extLst>
-          </a:blip>
-          <a:srcRect b="9570"/>
-          <a:stretch/>
-        </p:blipFill>
-        <p:spPr>
-          <a:xfrm>
-            <a:off x="6075237" y="2375463"/>
-            <a:ext cx="1136304" cy="867001"/>
-          </a:xfrm>
-          <a:prstGeom prst="rect">
-            <a:avLst/>
-          </a:prstGeom>
-        </p:spPr>
-      </p:pic>
       <p:sp>
         <p:nvSpPr>
           <p:cNvPr id="14" name="Retângulo Arredondado 13"/>
@@ -5527,6 +5261,10 @@
           </a:p>
           <a:p>
             <a:pPr algn="ctr"/>
+            <a:endParaRPr lang="en-US" sz="800" dirty="0" smtClean="0"/>
+          </a:p>
+          <a:p>
+            <a:pPr algn="ctr"/>
             <a:r>
               <a:rPr lang="en-US" dirty="0" smtClean="0"/>
               <a:t>CADASTRO</a:t>
@@ -5539,6 +5277,186 @@
           <a:p>
             <a:pPr algn="ctr"/>
             <a:endParaRPr lang="en-US" dirty="0"/>
+          </a:p>
+        </p:txBody>
+      </p:sp>
+      <p:sp>
+        <p:nvSpPr>
+          <p:cNvPr id="24" name="Retângulo 23"/>
+          <p:cNvSpPr/>
+          <p:nvPr/>
+        </p:nvSpPr>
+        <p:spPr>
+          <a:xfrm>
+            <a:off x="8355049" y="1230479"/>
+            <a:ext cx="3056708" cy="4362994"/>
+          </a:xfrm>
+          <a:prstGeom prst="rect">
+            <a:avLst/>
+          </a:prstGeom>
+          <a:solidFill>
+            <a:srgbClr val="00003E"/>
+          </a:solidFill>
+          <a:ln>
+            <a:solidFill>
+              <a:schemeClr val="tx1"/>
+            </a:solidFill>
+          </a:ln>
+        </p:spPr>
+        <p:style>
+          <a:lnRef idx="2">
+            <a:schemeClr val="accent1">
+              <a:shade val="50000"/>
+            </a:schemeClr>
+          </a:lnRef>
+          <a:fillRef idx="1">
+            <a:schemeClr val="accent1"/>
+          </a:fillRef>
+          <a:effectRef idx="0">
+            <a:schemeClr val="accent1"/>
+          </a:effectRef>
+          <a:fontRef idx="minor">
+            <a:schemeClr val="lt1"/>
+          </a:fontRef>
+        </p:style>
+        <p:txBody>
+          <a:bodyPr rtlCol="0" anchor="ctr"/>
+          <a:lstStyle/>
+          <a:p>
+            <a:pPr algn="ctr"/>
+            <a:endParaRPr lang="en-US"/>
+          </a:p>
+        </p:txBody>
+      </p:sp>
+      <p:sp>
+        <p:nvSpPr>
+          <p:cNvPr id="30" name="Retângulo Arredondado 29"/>
+          <p:cNvSpPr/>
+          <p:nvPr/>
+        </p:nvSpPr>
+        <p:spPr>
+          <a:xfrm>
+            <a:off x="8985249" y="4332591"/>
+            <a:ext cx="1796307" cy="400771"/>
+          </a:xfrm>
+          <a:prstGeom prst="roundRect">
+            <a:avLst>
+              <a:gd name="adj" fmla="val 50000"/>
+            </a:avLst>
+          </a:prstGeom>
+          <a:solidFill>
+            <a:srgbClr val="F12177"/>
+          </a:solidFill>
+          <a:ln>
+            <a:noFill/>
+          </a:ln>
+        </p:spPr>
+        <p:style>
+          <a:lnRef idx="2">
+            <a:schemeClr val="accent1">
+              <a:shade val="50000"/>
+            </a:schemeClr>
+          </a:lnRef>
+          <a:fillRef idx="1">
+            <a:schemeClr val="accent1"/>
+          </a:fillRef>
+          <a:effectRef idx="0">
+            <a:schemeClr val="accent1"/>
+          </a:effectRef>
+          <a:fontRef idx="minor">
+            <a:schemeClr val="lt1"/>
+          </a:fontRef>
+        </p:style>
+        <p:txBody>
+          <a:bodyPr rtlCol="0" anchor="ctr"/>
+          <a:lstStyle/>
+          <a:p>
+            <a:pPr algn="ctr"/>
+            <a:r>
+              <a:rPr lang="en-US" dirty="0" smtClean="0"/>
+              <a:t>LOGIN</a:t>
+            </a:r>
+            <a:endParaRPr lang="en-US" dirty="0"/>
+          </a:p>
+        </p:txBody>
+      </p:sp>
+      <p:pic>
+        <p:nvPicPr>
+          <p:cNvPr id="31" name="Imagem 30"/>
+          <p:cNvPicPr>
+            <a:picLocks noChangeAspect="1"/>
+          </p:cNvPicPr>
+          <p:nvPr/>
+        </p:nvPicPr>
+        <p:blipFill rotWithShape="1">
+          <a:blip r:embed="rId2" cstate="print">
+            <a:extLst>
+              <a:ext uri="{28A0092B-C50C-407E-A947-70E740481C1C}">
+                <a14:useLocalDpi xmlns:a14="http://schemas.microsoft.com/office/drawing/2010/main" val="0"/>
+              </a:ext>
+            </a:extLst>
+          </a:blip>
+          <a:srcRect t="-3297" r="19600"/>
+          <a:stretch/>
+        </p:blipFill>
+        <p:spPr>
+          <a:xfrm>
+            <a:off x="9046015" y="2458282"/>
+            <a:ext cx="1674774" cy="611025"/>
+          </a:xfrm>
+          <a:prstGeom prst="rect">
+            <a:avLst/>
+          </a:prstGeom>
+        </p:spPr>
+      </p:pic>
+      <p:sp>
+        <p:nvSpPr>
+          <p:cNvPr id="33" name="Retângulo Arredondado 32"/>
+          <p:cNvSpPr/>
+          <p:nvPr/>
+        </p:nvSpPr>
+        <p:spPr>
+          <a:xfrm>
+            <a:off x="8985248" y="4902750"/>
+            <a:ext cx="1796307" cy="400771"/>
+          </a:xfrm>
+          <a:prstGeom prst="roundRect">
+            <a:avLst>
+              <a:gd name="adj" fmla="val 50000"/>
+            </a:avLst>
+          </a:prstGeom>
+          <a:solidFill>
+            <a:srgbClr val="FFB233"/>
+          </a:solidFill>
+          <a:ln>
+            <a:noFill/>
+          </a:ln>
+        </p:spPr>
+        <p:style>
+          <a:lnRef idx="2">
+            <a:schemeClr val="accent1">
+              <a:shade val="50000"/>
+            </a:schemeClr>
+          </a:lnRef>
+          <a:fillRef idx="1">
+            <a:schemeClr val="accent1"/>
+          </a:fillRef>
+          <a:effectRef idx="0">
+            <a:schemeClr val="accent1"/>
+          </a:effectRef>
+          <a:fontRef idx="minor">
+            <a:schemeClr val="lt1"/>
+          </a:fontRef>
+        </p:style>
+        <p:txBody>
+          <a:bodyPr rtlCol="0" anchor="ctr"/>
+          <a:lstStyle/>
+          <a:p>
+            <a:pPr algn="ctr"/>
+            <a:r>
+              <a:rPr lang="en-US" dirty="0" smtClean="0"/>
+              <a:t>CADASTRO</a:t>
+            </a:r>
           </a:p>
         </p:txBody>
       </p:sp>
@@ -5559,6 +5477,1266 @@
       </p:par>
     </p:tnLst>
   </p:timing>
+</p:sld>
+</file>
+
+<file path=ppt/slides/slide3.xml><?xml version="1.0" encoding="utf-8"?>
+<p:sld xmlns:a="http://schemas.openxmlformats.org/drawingml/2006/main" xmlns:r="http://schemas.openxmlformats.org/officeDocument/2006/relationships" xmlns:p="http://schemas.openxmlformats.org/presentationml/2006/main">
+  <p:cSld>
+    <p:spTree>
+      <p:nvGrpSpPr>
+        <p:cNvPr id="1" name=""/>
+        <p:cNvGrpSpPr/>
+        <p:nvPr/>
+      </p:nvGrpSpPr>
+      <p:grpSpPr>
+        <a:xfrm>
+          <a:off x="0" y="0"/>
+          <a:ext cx="0" cy="0"/>
+          <a:chOff x="0" y="0"/>
+          <a:chExt cx="0" cy="0"/>
+        </a:xfrm>
+      </p:grpSpPr>
+      <p:sp>
+        <p:nvSpPr>
+          <p:cNvPr id="4" name="Retângulo 3"/>
+          <p:cNvSpPr/>
+          <p:nvPr/>
+        </p:nvSpPr>
+        <p:spPr>
+          <a:xfrm>
+            <a:off x="1363305" y="1122903"/>
+            <a:ext cx="3056708" cy="4362994"/>
+          </a:xfrm>
+          <a:prstGeom prst="rect">
+            <a:avLst/>
+          </a:prstGeom>
+          <a:solidFill>
+            <a:schemeClr val="bg1"/>
+          </a:solidFill>
+          <a:ln>
+            <a:noFill/>
+          </a:ln>
+        </p:spPr>
+        <p:style>
+          <a:lnRef idx="2">
+            <a:schemeClr val="accent1">
+              <a:shade val="50000"/>
+            </a:schemeClr>
+          </a:lnRef>
+          <a:fillRef idx="1">
+            <a:schemeClr val="accent1"/>
+          </a:fillRef>
+          <a:effectRef idx="0">
+            <a:schemeClr val="accent1"/>
+          </a:effectRef>
+          <a:fontRef idx="minor">
+            <a:schemeClr val="lt1"/>
+          </a:fontRef>
+        </p:style>
+        <p:txBody>
+          <a:bodyPr rtlCol="0" anchor="ctr"/>
+          <a:lstStyle/>
+          <a:p>
+            <a:pPr algn="ctr"/>
+            <a:endParaRPr lang="en-US"/>
+          </a:p>
+        </p:txBody>
+      </p:sp>
+      <p:sp>
+        <p:nvSpPr>
+          <p:cNvPr id="5" name="Elipse 4"/>
+          <p:cNvSpPr/>
+          <p:nvPr/>
+        </p:nvSpPr>
+        <p:spPr>
+          <a:xfrm>
+            <a:off x="2171659" y="1116688"/>
+            <a:ext cx="1440000" cy="1440000"/>
+          </a:xfrm>
+          <a:prstGeom prst="ellipse">
+            <a:avLst/>
+          </a:prstGeom>
+          <a:solidFill>
+            <a:schemeClr val="bg1"/>
+          </a:solidFill>
+          <a:ln>
+            <a:noFill/>
+          </a:ln>
+        </p:spPr>
+        <p:style>
+          <a:lnRef idx="2">
+            <a:schemeClr val="accent1">
+              <a:shade val="50000"/>
+            </a:schemeClr>
+          </a:lnRef>
+          <a:fillRef idx="1">
+            <a:schemeClr val="accent1"/>
+          </a:fillRef>
+          <a:effectRef idx="0">
+            <a:schemeClr val="accent1"/>
+          </a:effectRef>
+          <a:fontRef idx="minor">
+            <a:schemeClr val="lt1"/>
+          </a:fontRef>
+        </p:style>
+        <p:txBody>
+          <a:bodyPr rtlCol="0" anchor="ctr"/>
+          <a:lstStyle/>
+          <a:p>
+            <a:pPr algn="ctr"/>
+            <a:endParaRPr lang="en-US"/>
+          </a:p>
+        </p:txBody>
+      </p:sp>
+      <p:pic>
+        <p:nvPicPr>
+          <p:cNvPr id="6" name="Imagem 5"/>
+          <p:cNvPicPr>
+            <a:picLocks noChangeAspect="1"/>
+          </p:cNvPicPr>
+          <p:nvPr/>
+        </p:nvPicPr>
+        <p:blipFill rotWithShape="1">
+          <a:blip r:embed="rId2">
+            <a:extLst>
+              <a:ext uri="{28A0092B-C50C-407E-A947-70E740481C1C}">
+                <a14:useLocalDpi xmlns:a14="http://schemas.microsoft.com/office/drawing/2010/main" val="0"/>
+              </a:ext>
+            </a:extLst>
+          </a:blip>
+          <a:srcRect l="81318" t="18280"/>
+          <a:stretch/>
+        </p:blipFill>
+        <p:spPr>
+          <a:xfrm>
+            <a:off x="2253288" y="1125640"/>
+            <a:ext cx="1100377" cy="1366840"/>
+          </a:xfrm>
+          <a:prstGeom prst="rect">
+            <a:avLst/>
+          </a:prstGeom>
+        </p:spPr>
+      </p:pic>
+      <p:pic>
+        <p:nvPicPr>
+          <p:cNvPr id="7" name="Imagem 6"/>
+          <p:cNvPicPr>
+            <a:picLocks noChangeAspect="1"/>
+          </p:cNvPicPr>
+          <p:nvPr/>
+        </p:nvPicPr>
+        <p:blipFill rotWithShape="1">
+          <a:blip r:embed="rId3">
+            <a:extLst>
+              <a:ext uri="{28A0092B-C50C-407E-A947-70E740481C1C}">
+                <a14:useLocalDpi xmlns:a14="http://schemas.microsoft.com/office/drawing/2010/main" val="0"/>
+              </a:ext>
+            </a:extLst>
+          </a:blip>
+          <a:srcRect l="16562" t="47820" r="12196"/>
+          <a:stretch/>
+        </p:blipFill>
+        <p:spPr>
+          <a:xfrm>
+            <a:off x="1358152" y="1008530"/>
+            <a:ext cx="3079377" cy="1644658"/>
+          </a:xfrm>
+          <a:prstGeom prst="rect">
+            <a:avLst/>
+          </a:prstGeom>
+        </p:spPr>
+      </p:pic>
+      <p:grpSp>
+        <p:nvGrpSpPr>
+          <p:cNvPr id="8" name="Agrupar 7"/>
+          <p:cNvGrpSpPr/>
+          <p:nvPr/>
+        </p:nvGrpSpPr>
+        <p:grpSpPr>
+          <a:xfrm>
+            <a:off x="2171659" y="1977690"/>
+            <a:ext cx="1440000" cy="1440000"/>
+            <a:chOff x="5923389" y="2085266"/>
+            <a:chExt cx="1440000" cy="1440000"/>
+          </a:xfrm>
+        </p:grpSpPr>
+        <p:sp>
+          <p:nvSpPr>
+            <p:cNvPr id="9" name="Elipse 8"/>
+            <p:cNvSpPr/>
+            <p:nvPr/>
+          </p:nvSpPr>
+          <p:spPr>
+            <a:xfrm>
+              <a:off x="5923389" y="2085266"/>
+              <a:ext cx="1440000" cy="1440000"/>
+            </a:xfrm>
+            <a:prstGeom prst="ellipse">
+              <a:avLst/>
+            </a:prstGeom>
+            <a:solidFill>
+              <a:schemeClr val="bg1"/>
+            </a:solidFill>
+            <a:ln>
+              <a:noFill/>
+            </a:ln>
+          </p:spPr>
+          <p:style>
+            <a:lnRef idx="2">
+              <a:schemeClr val="accent1">
+                <a:shade val="50000"/>
+              </a:schemeClr>
+            </a:lnRef>
+            <a:fillRef idx="1">
+              <a:schemeClr val="accent1"/>
+            </a:fillRef>
+            <a:effectRef idx="0">
+              <a:schemeClr val="accent1"/>
+            </a:effectRef>
+            <a:fontRef idx="minor">
+              <a:schemeClr val="lt1"/>
+            </a:fontRef>
+          </p:style>
+          <p:txBody>
+            <a:bodyPr rtlCol="0" anchor="ctr"/>
+            <a:lstStyle/>
+            <a:p>
+              <a:pPr algn="ctr"/>
+              <a:endParaRPr lang="en-US"/>
+            </a:p>
+          </p:txBody>
+        </p:sp>
+        <p:pic>
+          <p:nvPicPr>
+            <p:cNvPr id="10" name="Imagem 9"/>
+            <p:cNvPicPr>
+              <a:picLocks noChangeAspect="1"/>
+            </p:cNvPicPr>
+            <p:nvPr/>
+          </p:nvPicPr>
+          <p:blipFill rotWithShape="1">
+            <a:blip r:embed="rId4">
+              <a:extLst>
+                <a:ext uri="{BEBA8EAE-BF5A-486C-A8C5-ECC9F3942E4B}">
+                  <a14:imgProps xmlns:a14="http://schemas.microsoft.com/office/drawing/2010/main">
+                    <a14:imgLayer r:embed="rId5">
+                      <a14:imgEffect>
+                        <a14:backgroundRemoval t="3704" b="87407" l="4375" r="96250">
+                          <a14:foregroundMark x1="31250" y1="71852" x2="31250" y2="71852"/>
+                        </a14:backgroundRemoval>
+                      </a14:imgEffect>
+                    </a14:imgLayer>
+                  </a14:imgProps>
+                </a:ext>
+                <a:ext uri="{28A0092B-C50C-407E-A947-70E740481C1C}">
+                  <a14:useLocalDpi xmlns:a14="http://schemas.microsoft.com/office/drawing/2010/main" val="0"/>
+                </a:ext>
+              </a:extLst>
+            </a:blip>
+            <a:srcRect b="9570"/>
+            <a:stretch/>
+          </p:blipFill>
+          <p:spPr>
+            <a:xfrm>
+              <a:off x="5976421" y="2359368"/>
+              <a:ext cx="1136304" cy="867001"/>
+            </a:xfrm>
+            <a:prstGeom prst="rect">
+              <a:avLst/>
+            </a:prstGeom>
+          </p:spPr>
+        </p:pic>
+      </p:grpSp>
+      <p:sp>
+        <p:nvSpPr>
+          <p:cNvPr id="11" name="Retângulo Arredondado 10"/>
+          <p:cNvSpPr/>
+          <p:nvPr/>
+        </p:nvSpPr>
+        <p:spPr>
+          <a:xfrm>
+            <a:off x="1993505" y="4225015"/>
+            <a:ext cx="1796307" cy="400771"/>
+          </a:xfrm>
+          <a:prstGeom prst="roundRect">
+            <a:avLst>
+              <a:gd name="adj" fmla="val 50000"/>
+            </a:avLst>
+          </a:prstGeom>
+          <a:solidFill>
+            <a:srgbClr val="F12177"/>
+          </a:solidFill>
+          <a:ln>
+            <a:noFill/>
+          </a:ln>
+        </p:spPr>
+        <p:style>
+          <a:lnRef idx="2">
+            <a:schemeClr val="accent1">
+              <a:shade val="50000"/>
+            </a:schemeClr>
+          </a:lnRef>
+          <a:fillRef idx="1">
+            <a:schemeClr val="accent1"/>
+          </a:fillRef>
+          <a:effectRef idx="0">
+            <a:schemeClr val="accent1"/>
+          </a:effectRef>
+          <a:fontRef idx="minor">
+            <a:schemeClr val="lt1"/>
+          </a:fontRef>
+        </p:style>
+        <p:txBody>
+          <a:bodyPr rtlCol="0" anchor="ctr"/>
+          <a:lstStyle/>
+          <a:p>
+            <a:pPr algn="ctr"/>
+            <a:r>
+              <a:rPr lang="en-US" dirty="0" smtClean="0"/>
+              <a:t>LOGIN</a:t>
+            </a:r>
+            <a:endParaRPr lang="en-US" dirty="0"/>
+          </a:p>
+        </p:txBody>
+      </p:sp>
+      <p:pic>
+        <p:nvPicPr>
+          <p:cNvPr id="12" name="Imagem 11"/>
+          <p:cNvPicPr>
+            <a:picLocks noChangeAspect="1"/>
+          </p:cNvPicPr>
+          <p:nvPr/>
+        </p:nvPicPr>
+        <p:blipFill rotWithShape="1">
+          <a:blip r:embed="rId6" cstate="print">
+            <a:extLst>
+              <a:ext uri="{28A0092B-C50C-407E-A947-70E740481C1C}">
+                <a14:useLocalDpi xmlns:a14="http://schemas.microsoft.com/office/drawing/2010/main" val="0"/>
+              </a:ext>
+            </a:extLst>
+          </a:blip>
+          <a:srcRect t="-3297" r="19600"/>
+          <a:stretch/>
+        </p:blipFill>
+        <p:spPr>
+          <a:xfrm>
+            <a:off x="2054271" y="3134888"/>
+            <a:ext cx="1674774" cy="611025"/>
+          </a:xfrm>
+          <a:prstGeom prst="rect">
+            <a:avLst/>
+          </a:prstGeom>
+        </p:spPr>
+      </p:pic>
+      <p:sp>
+        <p:nvSpPr>
+          <p:cNvPr id="13" name="Forma Livre 12"/>
+          <p:cNvSpPr/>
+          <p:nvPr/>
+        </p:nvSpPr>
+        <p:spPr>
+          <a:xfrm>
+            <a:off x="1363305" y="4935071"/>
+            <a:ext cx="3056708" cy="550826"/>
+          </a:xfrm>
+          <a:custGeom>
+            <a:avLst/>
+            <a:gdLst>
+              <a:gd name="connsiteX0" fmla="*/ 479533 w 3056708"/>
+              <a:gd name="connsiteY0" fmla="*/ 0 h 550826"/>
+              <a:gd name="connsiteX1" fmla="*/ 2586520 w 3056708"/>
+              <a:gd name="connsiteY1" fmla="*/ 0 h 550826"/>
+              <a:gd name="connsiteX2" fmla="*/ 3035898 w 3056708"/>
+              <a:gd name="connsiteY2" fmla="*/ 297868 h 550826"/>
+              <a:gd name="connsiteX3" fmla="*/ 3056708 w 3056708"/>
+              <a:gd name="connsiteY3" fmla="*/ 364908 h 550826"/>
+              <a:gd name="connsiteX4" fmla="*/ 3056708 w 3056708"/>
+              <a:gd name="connsiteY4" fmla="*/ 550826 h 550826"/>
+              <a:gd name="connsiteX5" fmla="*/ 0 w 3056708"/>
+              <a:gd name="connsiteY5" fmla="*/ 550826 h 550826"/>
+              <a:gd name="connsiteX6" fmla="*/ 0 w 3056708"/>
+              <a:gd name="connsiteY6" fmla="*/ 406650 h 550826"/>
+              <a:gd name="connsiteX7" fmla="*/ 1738 w 3056708"/>
+              <a:gd name="connsiteY7" fmla="*/ 389415 h 550826"/>
+              <a:gd name="connsiteX8" fmla="*/ 479533 w 3056708"/>
+              <a:gd name="connsiteY8" fmla="*/ 0 h 550826"/>
+            </a:gdLst>
+            <a:ahLst/>
+            <a:cxnLst>
+              <a:cxn ang="0">
+                <a:pos x="connsiteX0" y="connsiteY0"/>
+              </a:cxn>
+              <a:cxn ang="0">
+                <a:pos x="connsiteX1" y="connsiteY1"/>
+              </a:cxn>
+              <a:cxn ang="0">
+                <a:pos x="connsiteX2" y="connsiteY2"/>
+              </a:cxn>
+              <a:cxn ang="0">
+                <a:pos x="connsiteX3" y="connsiteY3"/>
+              </a:cxn>
+              <a:cxn ang="0">
+                <a:pos x="connsiteX4" y="connsiteY4"/>
+              </a:cxn>
+              <a:cxn ang="0">
+                <a:pos x="connsiteX5" y="connsiteY5"/>
+              </a:cxn>
+              <a:cxn ang="0">
+                <a:pos x="connsiteX6" y="connsiteY6"/>
+              </a:cxn>
+              <a:cxn ang="0">
+                <a:pos x="connsiteX7" y="connsiteY7"/>
+              </a:cxn>
+              <a:cxn ang="0">
+                <a:pos x="connsiteX8" y="connsiteY8"/>
+              </a:cxn>
+            </a:cxnLst>
+            <a:rect l="l" t="t" r="r" b="b"/>
+            <a:pathLst>
+              <a:path w="3056708" h="550826">
+                <a:moveTo>
+                  <a:pt x="479533" y="0"/>
+                </a:moveTo>
+                <a:lnTo>
+                  <a:pt x="2586520" y="0"/>
+                </a:lnTo>
+                <a:cubicBezTo>
+                  <a:pt x="2788533" y="0"/>
+                  <a:pt x="2961860" y="122824"/>
+                  <a:pt x="3035898" y="297868"/>
+                </a:cubicBezTo>
+                <a:lnTo>
+                  <a:pt x="3056708" y="364908"/>
+                </a:lnTo>
+                <a:lnTo>
+                  <a:pt x="3056708" y="550826"/>
+                </a:lnTo>
+                <a:lnTo>
+                  <a:pt x="0" y="550826"/>
+                </a:lnTo>
+                <a:lnTo>
+                  <a:pt x="0" y="406650"/>
+                </a:lnTo>
+                <a:lnTo>
+                  <a:pt x="1738" y="389415"/>
+                </a:lnTo>
+                <a:cubicBezTo>
+                  <a:pt x="47214" y="167177"/>
+                  <a:pt x="243851" y="0"/>
+                  <a:pt x="479533" y="0"/>
+                </a:cubicBezTo>
+                <a:close/>
+              </a:path>
+            </a:pathLst>
+          </a:custGeom>
+          <a:solidFill>
+            <a:srgbClr val="FFB233"/>
+          </a:solidFill>
+          <a:ln>
+            <a:noFill/>
+          </a:ln>
+        </p:spPr>
+        <p:style>
+          <a:lnRef idx="2">
+            <a:schemeClr val="accent1">
+              <a:shade val="50000"/>
+            </a:schemeClr>
+          </a:lnRef>
+          <a:fillRef idx="1">
+            <a:schemeClr val="accent1"/>
+          </a:fillRef>
+          <a:effectRef idx="0">
+            <a:schemeClr val="accent1"/>
+          </a:effectRef>
+          <a:fontRef idx="minor">
+            <a:schemeClr val="lt1"/>
+          </a:fontRef>
+        </p:style>
+        <p:txBody>
+          <a:bodyPr rtlCol="0" anchor="ctr"/>
+          <a:lstStyle/>
+          <a:p>
+            <a:pPr algn="ctr"/>
+            <a:endParaRPr lang="en-US" dirty="0" smtClean="0"/>
+          </a:p>
+          <a:p>
+            <a:pPr algn="ctr"/>
+            <a:endParaRPr lang="en-US" sz="800" dirty="0" smtClean="0"/>
+          </a:p>
+          <a:p>
+            <a:pPr algn="ctr"/>
+            <a:r>
+              <a:rPr lang="en-US" dirty="0" smtClean="0"/>
+              <a:t>CADASTRO</a:t>
+            </a:r>
+          </a:p>
+          <a:p>
+            <a:pPr algn="ctr"/>
+            <a:endParaRPr lang="en-US" sz="800" dirty="0" smtClean="0"/>
+          </a:p>
+          <a:p>
+            <a:pPr algn="ctr"/>
+            <a:endParaRPr lang="en-US" dirty="0"/>
+          </a:p>
+        </p:txBody>
+      </p:sp>
+      <p:sp>
+        <p:nvSpPr>
+          <p:cNvPr id="14" name="Retângulo 13"/>
+          <p:cNvSpPr/>
+          <p:nvPr/>
+        </p:nvSpPr>
+        <p:spPr>
+          <a:xfrm>
+            <a:off x="1606300" y="151259"/>
+            <a:ext cx="2373085" cy="529048"/>
+          </a:xfrm>
+          <a:prstGeom prst="rect">
+            <a:avLst/>
+          </a:prstGeom>
+          <a:solidFill>
+            <a:schemeClr val="tx1"/>
+          </a:solidFill>
+          <a:ln>
+            <a:solidFill>
+              <a:schemeClr val="tx1"/>
+            </a:solidFill>
+          </a:ln>
+        </p:spPr>
+        <p:style>
+          <a:lnRef idx="2">
+            <a:schemeClr val="accent1">
+              <a:shade val="50000"/>
+            </a:schemeClr>
+          </a:lnRef>
+          <a:fillRef idx="1">
+            <a:schemeClr val="accent1"/>
+          </a:fillRef>
+          <a:effectRef idx="0">
+            <a:schemeClr val="accent1"/>
+          </a:effectRef>
+          <a:fontRef idx="minor">
+            <a:schemeClr val="lt1"/>
+          </a:fontRef>
+        </p:style>
+        <p:txBody>
+          <a:bodyPr rtlCol="0" anchor="ctr"/>
+          <a:lstStyle/>
+          <a:p>
+            <a:pPr algn="ctr"/>
+            <a:r>
+              <a:rPr lang="en-US" dirty="0" smtClean="0"/>
+              <a:t>Login</a:t>
+            </a:r>
+            <a:endParaRPr lang="en-US" dirty="0"/>
+          </a:p>
+        </p:txBody>
+      </p:sp>
+      <p:pic>
+        <p:nvPicPr>
+          <p:cNvPr id="1026" name="Picture 2" descr="Mobile login page template | Premium Vector"/>
+          <p:cNvPicPr>
+            <a:picLocks noChangeAspect="1" noChangeArrowheads="1"/>
+          </p:cNvPicPr>
+          <p:nvPr/>
+        </p:nvPicPr>
+        <p:blipFill>
+          <a:blip r:embed="rId7">
+            <a:extLst>
+              <a:ext uri="{28A0092B-C50C-407E-A947-70E740481C1C}">
+                <a14:useLocalDpi xmlns:a14="http://schemas.microsoft.com/office/drawing/2010/main" val="0"/>
+              </a:ext>
+            </a:extLst>
+          </a:blip>
+          <a:srcRect/>
+          <a:stretch>
+            <a:fillRect/>
+          </a:stretch>
+        </p:blipFill>
+        <p:spPr bwMode="auto">
+          <a:xfrm>
+            <a:off x="5263540" y="327837"/>
+            <a:ext cx="5962650" cy="5953125"/>
+          </a:xfrm>
+          <a:prstGeom prst="rect">
+            <a:avLst/>
+          </a:prstGeom>
+          <a:noFill/>
+          <a:extLst>
+            <a:ext uri="{909E8E84-426E-40DD-AFC4-6F175D3DCCD1}">
+              <a14:hiddenFill xmlns:a14="http://schemas.microsoft.com/office/drawing/2010/main">
+                <a:solidFill>
+                  <a:srgbClr val="FFFFFF"/>
+                </a:solidFill>
+              </a14:hiddenFill>
+            </a:ext>
+          </a:extLst>
+        </p:spPr>
+      </p:pic>
+      <p:sp>
+        <p:nvSpPr>
+          <p:cNvPr id="15" name="Forma Livre 14"/>
+          <p:cNvSpPr/>
+          <p:nvPr/>
+        </p:nvSpPr>
+        <p:spPr>
+          <a:xfrm>
+            <a:off x="6750422" y="514807"/>
+            <a:ext cx="2998695" cy="1736985"/>
+          </a:xfrm>
+          <a:custGeom>
+            <a:avLst/>
+            <a:gdLst>
+              <a:gd name="connsiteX0" fmla="*/ 0 w 3039036"/>
+              <a:gd name="connsiteY0" fmla="*/ 26895 h 1707777"/>
+              <a:gd name="connsiteX1" fmla="*/ 0 w 3039036"/>
+              <a:gd name="connsiteY1" fmla="*/ 26895 h 1707777"/>
+              <a:gd name="connsiteX2" fmla="*/ 13447 w 3039036"/>
+              <a:gd name="connsiteY2" fmla="*/ 228600 h 1707777"/>
+              <a:gd name="connsiteX3" fmla="*/ 40342 w 3039036"/>
+              <a:gd name="connsiteY3" fmla="*/ 309283 h 1707777"/>
+              <a:gd name="connsiteX4" fmla="*/ 67236 w 3039036"/>
+              <a:gd name="connsiteY4" fmla="*/ 389965 h 1707777"/>
+              <a:gd name="connsiteX5" fmla="*/ 80683 w 3039036"/>
+              <a:gd name="connsiteY5" fmla="*/ 430306 h 1707777"/>
+              <a:gd name="connsiteX6" fmla="*/ 94130 w 3039036"/>
+              <a:gd name="connsiteY6" fmla="*/ 470647 h 1707777"/>
+              <a:gd name="connsiteX7" fmla="*/ 121024 w 3039036"/>
+              <a:gd name="connsiteY7" fmla="*/ 497542 h 1707777"/>
+              <a:gd name="connsiteX8" fmla="*/ 161365 w 3039036"/>
+              <a:gd name="connsiteY8" fmla="*/ 578224 h 1707777"/>
+              <a:gd name="connsiteX9" fmla="*/ 201706 w 3039036"/>
+              <a:gd name="connsiteY9" fmla="*/ 658906 h 1707777"/>
+              <a:gd name="connsiteX10" fmla="*/ 242047 w 3039036"/>
+              <a:gd name="connsiteY10" fmla="*/ 685800 h 1707777"/>
+              <a:gd name="connsiteX11" fmla="*/ 255494 w 3039036"/>
+              <a:gd name="connsiteY11" fmla="*/ 726142 h 1707777"/>
+              <a:gd name="connsiteX12" fmla="*/ 282389 w 3039036"/>
+              <a:gd name="connsiteY12" fmla="*/ 766483 h 1707777"/>
+              <a:gd name="connsiteX13" fmla="*/ 349624 w 3039036"/>
+              <a:gd name="connsiteY13" fmla="*/ 874059 h 1707777"/>
+              <a:gd name="connsiteX14" fmla="*/ 443753 w 3039036"/>
+              <a:gd name="connsiteY14" fmla="*/ 981636 h 1707777"/>
+              <a:gd name="connsiteX15" fmla="*/ 484094 w 3039036"/>
+              <a:gd name="connsiteY15" fmla="*/ 995083 h 1707777"/>
+              <a:gd name="connsiteX16" fmla="*/ 591671 w 3039036"/>
+              <a:gd name="connsiteY16" fmla="*/ 1075765 h 1707777"/>
+              <a:gd name="connsiteX17" fmla="*/ 632012 w 3039036"/>
+              <a:gd name="connsiteY17" fmla="*/ 1089212 h 1707777"/>
+              <a:gd name="connsiteX18" fmla="*/ 753036 w 3039036"/>
+              <a:gd name="connsiteY18" fmla="*/ 1143000 h 1707777"/>
+              <a:gd name="connsiteX19" fmla="*/ 1035424 w 3039036"/>
+              <a:gd name="connsiteY19" fmla="*/ 1156447 h 1707777"/>
+              <a:gd name="connsiteX20" fmla="*/ 1304365 w 3039036"/>
+              <a:gd name="connsiteY20" fmla="*/ 1156447 h 1707777"/>
+              <a:gd name="connsiteX21" fmla="*/ 1358153 w 3039036"/>
+              <a:gd name="connsiteY21" fmla="*/ 1143000 h 1707777"/>
+              <a:gd name="connsiteX22" fmla="*/ 1519518 w 3039036"/>
+              <a:gd name="connsiteY22" fmla="*/ 1129553 h 1707777"/>
+              <a:gd name="connsiteX23" fmla="*/ 1573306 w 3039036"/>
+              <a:gd name="connsiteY23" fmla="*/ 1102659 h 1707777"/>
+              <a:gd name="connsiteX24" fmla="*/ 2124636 w 3039036"/>
+              <a:gd name="connsiteY24" fmla="*/ 1102659 h 1707777"/>
+              <a:gd name="connsiteX25" fmla="*/ 2245659 w 3039036"/>
+              <a:gd name="connsiteY25" fmla="*/ 1129553 h 1707777"/>
+              <a:gd name="connsiteX26" fmla="*/ 2299447 w 3039036"/>
+              <a:gd name="connsiteY26" fmla="*/ 1143000 h 1707777"/>
+              <a:gd name="connsiteX27" fmla="*/ 2420471 w 3039036"/>
+              <a:gd name="connsiteY27" fmla="*/ 1169895 h 1707777"/>
+              <a:gd name="connsiteX28" fmla="*/ 2501153 w 3039036"/>
+              <a:gd name="connsiteY28" fmla="*/ 1196789 h 1707777"/>
+              <a:gd name="connsiteX29" fmla="*/ 2581836 w 3039036"/>
+              <a:gd name="connsiteY29" fmla="*/ 1237130 h 1707777"/>
+              <a:gd name="connsiteX30" fmla="*/ 2662518 w 3039036"/>
+              <a:gd name="connsiteY30" fmla="*/ 1290918 h 1707777"/>
+              <a:gd name="connsiteX31" fmla="*/ 2702859 w 3039036"/>
+              <a:gd name="connsiteY31" fmla="*/ 1304365 h 1707777"/>
+              <a:gd name="connsiteX32" fmla="*/ 2823883 w 3039036"/>
+              <a:gd name="connsiteY32" fmla="*/ 1371600 h 1707777"/>
+              <a:gd name="connsiteX33" fmla="*/ 2931459 w 3039036"/>
+              <a:gd name="connsiteY33" fmla="*/ 1465730 h 1707777"/>
+              <a:gd name="connsiteX34" fmla="*/ 2971800 w 3039036"/>
+              <a:gd name="connsiteY34" fmla="*/ 1546412 h 1707777"/>
+              <a:gd name="connsiteX35" fmla="*/ 2998694 w 3039036"/>
+              <a:gd name="connsiteY35" fmla="*/ 1627095 h 1707777"/>
+              <a:gd name="connsiteX36" fmla="*/ 3012142 w 3039036"/>
+              <a:gd name="connsiteY36" fmla="*/ 1667436 h 1707777"/>
+              <a:gd name="connsiteX37" fmla="*/ 3039036 w 3039036"/>
+              <a:gd name="connsiteY37" fmla="*/ 1707777 h 1707777"/>
+              <a:gd name="connsiteX38" fmla="*/ 3025589 w 3039036"/>
+              <a:gd name="connsiteY38" fmla="*/ 1116106 h 1707777"/>
+              <a:gd name="connsiteX39" fmla="*/ 3039036 w 3039036"/>
+              <a:gd name="connsiteY39" fmla="*/ 712695 h 1707777"/>
+              <a:gd name="connsiteX40" fmla="*/ 3025589 w 3039036"/>
+              <a:gd name="connsiteY40" fmla="*/ 94130 h 1707777"/>
+              <a:gd name="connsiteX41" fmla="*/ 3012142 w 3039036"/>
+              <a:gd name="connsiteY41" fmla="*/ 26895 h 1707777"/>
+              <a:gd name="connsiteX42" fmla="*/ 2931459 w 3039036"/>
+              <a:gd name="connsiteY42" fmla="*/ 13447 h 1707777"/>
+              <a:gd name="connsiteX43" fmla="*/ 2460812 w 3039036"/>
+              <a:gd name="connsiteY43" fmla="*/ 0 h 1707777"/>
+              <a:gd name="connsiteX44" fmla="*/ 1600200 w 3039036"/>
+              <a:gd name="connsiteY44" fmla="*/ 13447 h 1707777"/>
+              <a:gd name="connsiteX45" fmla="*/ 1546412 w 3039036"/>
+              <a:gd name="connsiteY45" fmla="*/ 26895 h 1707777"/>
+              <a:gd name="connsiteX46" fmla="*/ 0 w 3039036"/>
+              <a:gd name="connsiteY46" fmla="*/ 26895 h 1707777"/>
+              <a:gd name="connsiteX0" fmla="*/ 0 w 3039036"/>
+              <a:gd name="connsiteY0" fmla="*/ 26895 h 1707777"/>
+              <a:gd name="connsiteX1" fmla="*/ 0 w 3039036"/>
+              <a:gd name="connsiteY1" fmla="*/ 26895 h 1707777"/>
+              <a:gd name="connsiteX2" fmla="*/ 13447 w 3039036"/>
+              <a:gd name="connsiteY2" fmla="*/ 228600 h 1707777"/>
+              <a:gd name="connsiteX3" fmla="*/ 40342 w 3039036"/>
+              <a:gd name="connsiteY3" fmla="*/ 309283 h 1707777"/>
+              <a:gd name="connsiteX4" fmla="*/ 67236 w 3039036"/>
+              <a:gd name="connsiteY4" fmla="*/ 389965 h 1707777"/>
+              <a:gd name="connsiteX5" fmla="*/ 80683 w 3039036"/>
+              <a:gd name="connsiteY5" fmla="*/ 430306 h 1707777"/>
+              <a:gd name="connsiteX6" fmla="*/ 94130 w 3039036"/>
+              <a:gd name="connsiteY6" fmla="*/ 470647 h 1707777"/>
+              <a:gd name="connsiteX7" fmla="*/ 121024 w 3039036"/>
+              <a:gd name="connsiteY7" fmla="*/ 497542 h 1707777"/>
+              <a:gd name="connsiteX8" fmla="*/ 161365 w 3039036"/>
+              <a:gd name="connsiteY8" fmla="*/ 578224 h 1707777"/>
+              <a:gd name="connsiteX9" fmla="*/ 201706 w 3039036"/>
+              <a:gd name="connsiteY9" fmla="*/ 658906 h 1707777"/>
+              <a:gd name="connsiteX10" fmla="*/ 242047 w 3039036"/>
+              <a:gd name="connsiteY10" fmla="*/ 685800 h 1707777"/>
+              <a:gd name="connsiteX11" fmla="*/ 255494 w 3039036"/>
+              <a:gd name="connsiteY11" fmla="*/ 726142 h 1707777"/>
+              <a:gd name="connsiteX12" fmla="*/ 282389 w 3039036"/>
+              <a:gd name="connsiteY12" fmla="*/ 766483 h 1707777"/>
+              <a:gd name="connsiteX13" fmla="*/ 349624 w 3039036"/>
+              <a:gd name="connsiteY13" fmla="*/ 874059 h 1707777"/>
+              <a:gd name="connsiteX14" fmla="*/ 443753 w 3039036"/>
+              <a:gd name="connsiteY14" fmla="*/ 981636 h 1707777"/>
+              <a:gd name="connsiteX15" fmla="*/ 484094 w 3039036"/>
+              <a:gd name="connsiteY15" fmla="*/ 995083 h 1707777"/>
+              <a:gd name="connsiteX16" fmla="*/ 591671 w 3039036"/>
+              <a:gd name="connsiteY16" fmla="*/ 1075765 h 1707777"/>
+              <a:gd name="connsiteX17" fmla="*/ 632012 w 3039036"/>
+              <a:gd name="connsiteY17" fmla="*/ 1089212 h 1707777"/>
+              <a:gd name="connsiteX18" fmla="*/ 753036 w 3039036"/>
+              <a:gd name="connsiteY18" fmla="*/ 1143000 h 1707777"/>
+              <a:gd name="connsiteX19" fmla="*/ 1035424 w 3039036"/>
+              <a:gd name="connsiteY19" fmla="*/ 1156447 h 1707777"/>
+              <a:gd name="connsiteX20" fmla="*/ 1304365 w 3039036"/>
+              <a:gd name="connsiteY20" fmla="*/ 1156447 h 1707777"/>
+              <a:gd name="connsiteX21" fmla="*/ 1358153 w 3039036"/>
+              <a:gd name="connsiteY21" fmla="*/ 1143000 h 1707777"/>
+              <a:gd name="connsiteX22" fmla="*/ 1519518 w 3039036"/>
+              <a:gd name="connsiteY22" fmla="*/ 1129553 h 1707777"/>
+              <a:gd name="connsiteX23" fmla="*/ 1573306 w 3039036"/>
+              <a:gd name="connsiteY23" fmla="*/ 1102659 h 1707777"/>
+              <a:gd name="connsiteX24" fmla="*/ 2124636 w 3039036"/>
+              <a:gd name="connsiteY24" fmla="*/ 1102659 h 1707777"/>
+              <a:gd name="connsiteX25" fmla="*/ 2245659 w 3039036"/>
+              <a:gd name="connsiteY25" fmla="*/ 1129553 h 1707777"/>
+              <a:gd name="connsiteX26" fmla="*/ 2299447 w 3039036"/>
+              <a:gd name="connsiteY26" fmla="*/ 1143000 h 1707777"/>
+              <a:gd name="connsiteX27" fmla="*/ 2420471 w 3039036"/>
+              <a:gd name="connsiteY27" fmla="*/ 1169895 h 1707777"/>
+              <a:gd name="connsiteX28" fmla="*/ 2501153 w 3039036"/>
+              <a:gd name="connsiteY28" fmla="*/ 1196789 h 1707777"/>
+              <a:gd name="connsiteX29" fmla="*/ 2581836 w 3039036"/>
+              <a:gd name="connsiteY29" fmla="*/ 1237130 h 1707777"/>
+              <a:gd name="connsiteX30" fmla="*/ 2662518 w 3039036"/>
+              <a:gd name="connsiteY30" fmla="*/ 1290918 h 1707777"/>
+              <a:gd name="connsiteX31" fmla="*/ 2702859 w 3039036"/>
+              <a:gd name="connsiteY31" fmla="*/ 1304365 h 1707777"/>
+              <a:gd name="connsiteX32" fmla="*/ 2823883 w 3039036"/>
+              <a:gd name="connsiteY32" fmla="*/ 1371600 h 1707777"/>
+              <a:gd name="connsiteX33" fmla="*/ 2931459 w 3039036"/>
+              <a:gd name="connsiteY33" fmla="*/ 1465730 h 1707777"/>
+              <a:gd name="connsiteX34" fmla="*/ 2971800 w 3039036"/>
+              <a:gd name="connsiteY34" fmla="*/ 1546412 h 1707777"/>
+              <a:gd name="connsiteX35" fmla="*/ 2998694 w 3039036"/>
+              <a:gd name="connsiteY35" fmla="*/ 1627095 h 1707777"/>
+              <a:gd name="connsiteX36" fmla="*/ 3012142 w 3039036"/>
+              <a:gd name="connsiteY36" fmla="*/ 1667436 h 1707777"/>
+              <a:gd name="connsiteX37" fmla="*/ 3039036 w 3039036"/>
+              <a:gd name="connsiteY37" fmla="*/ 1707777 h 1707777"/>
+              <a:gd name="connsiteX38" fmla="*/ 3025589 w 3039036"/>
+              <a:gd name="connsiteY38" fmla="*/ 1116106 h 1707777"/>
+              <a:gd name="connsiteX39" fmla="*/ 3025407 w 3039036"/>
+              <a:gd name="connsiteY39" fmla="*/ 712695 h 1707777"/>
+              <a:gd name="connsiteX40" fmla="*/ 3025589 w 3039036"/>
+              <a:gd name="connsiteY40" fmla="*/ 94130 h 1707777"/>
+              <a:gd name="connsiteX41" fmla="*/ 3012142 w 3039036"/>
+              <a:gd name="connsiteY41" fmla="*/ 26895 h 1707777"/>
+              <a:gd name="connsiteX42" fmla="*/ 2931459 w 3039036"/>
+              <a:gd name="connsiteY42" fmla="*/ 13447 h 1707777"/>
+              <a:gd name="connsiteX43" fmla="*/ 2460812 w 3039036"/>
+              <a:gd name="connsiteY43" fmla="*/ 0 h 1707777"/>
+              <a:gd name="connsiteX44" fmla="*/ 1600200 w 3039036"/>
+              <a:gd name="connsiteY44" fmla="*/ 13447 h 1707777"/>
+              <a:gd name="connsiteX45" fmla="*/ 1546412 w 3039036"/>
+              <a:gd name="connsiteY45" fmla="*/ 26895 h 1707777"/>
+              <a:gd name="connsiteX46" fmla="*/ 0 w 3039036"/>
+              <a:gd name="connsiteY46" fmla="*/ 26895 h 1707777"/>
+            </a:gdLst>
+            <a:ahLst/>
+            <a:cxnLst>
+              <a:cxn ang="0">
+                <a:pos x="connsiteX0" y="connsiteY0"/>
+              </a:cxn>
+              <a:cxn ang="0">
+                <a:pos x="connsiteX1" y="connsiteY1"/>
+              </a:cxn>
+              <a:cxn ang="0">
+                <a:pos x="connsiteX2" y="connsiteY2"/>
+              </a:cxn>
+              <a:cxn ang="0">
+                <a:pos x="connsiteX3" y="connsiteY3"/>
+              </a:cxn>
+              <a:cxn ang="0">
+                <a:pos x="connsiteX4" y="connsiteY4"/>
+              </a:cxn>
+              <a:cxn ang="0">
+                <a:pos x="connsiteX5" y="connsiteY5"/>
+              </a:cxn>
+              <a:cxn ang="0">
+                <a:pos x="connsiteX6" y="connsiteY6"/>
+              </a:cxn>
+              <a:cxn ang="0">
+                <a:pos x="connsiteX7" y="connsiteY7"/>
+              </a:cxn>
+              <a:cxn ang="0">
+                <a:pos x="connsiteX8" y="connsiteY8"/>
+              </a:cxn>
+              <a:cxn ang="0">
+                <a:pos x="connsiteX9" y="connsiteY9"/>
+              </a:cxn>
+              <a:cxn ang="0">
+                <a:pos x="connsiteX10" y="connsiteY10"/>
+              </a:cxn>
+              <a:cxn ang="0">
+                <a:pos x="connsiteX11" y="connsiteY11"/>
+              </a:cxn>
+              <a:cxn ang="0">
+                <a:pos x="connsiteX12" y="connsiteY12"/>
+              </a:cxn>
+              <a:cxn ang="0">
+                <a:pos x="connsiteX13" y="connsiteY13"/>
+              </a:cxn>
+              <a:cxn ang="0">
+                <a:pos x="connsiteX14" y="connsiteY14"/>
+              </a:cxn>
+              <a:cxn ang="0">
+                <a:pos x="connsiteX15" y="connsiteY15"/>
+              </a:cxn>
+              <a:cxn ang="0">
+                <a:pos x="connsiteX16" y="connsiteY16"/>
+              </a:cxn>
+              <a:cxn ang="0">
+                <a:pos x="connsiteX17" y="connsiteY17"/>
+              </a:cxn>
+              <a:cxn ang="0">
+                <a:pos x="connsiteX18" y="connsiteY18"/>
+              </a:cxn>
+              <a:cxn ang="0">
+                <a:pos x="connsiteX19" y="connsiteY19"/>
+              </a:cxn>
+              <a:cxn ang="0">
+                <a:pos x="connsiteX20" y="connsiteY20"/>
+              </a:cxn>
+              <a:cxn ang="0">
+                <a:pos x="connsiteX21" y="connsiteY21"/>
+              </a:cxn>
+              <a:cxn ang="0">
+                <a:pos x="connsiteX22" y="connsiteY22"/>
+              </a:cxn>
+              <a:cxn ang="0">
+                <a:pos x="connsiteX23" y="connsiteY23"/>
+              </a:cxn>
+              <a:cxn ang="0">
+                <a:pos x="connsiteX24" y="connsiteY24"/>
+              </a:cxn>
+              <a:cxn ang="0">
+                <a:pos x="connsiteX25" y="connsiteY25"/>
+              </a:cxn>
+              <a:cxn ang="0">
+                <a:pos x="connsiteX26" y="connsiteY26"/>
+              </a:cxn>
+              <a:cxn ang="0">
+                <a:pos x="connsiteX27" y="connsiteY27"/>
+              </a:cxn>
+              <a:cxn ang="0">
+                <a:pos x="connsiteX28" y="connsiteY28"/>
+              </a:cxn>
+              <a:cxn ang="0">
+                <a:pos x="connsiteX29" y="connsiteY29"/>
+              </a:cxn>
+              <a:cxn ang="0">
+                <a:pos x="connsiteX30" y="connsiteY30"/>
+              </a:cxn>
+              <a:cxn ang="0">
+                <a:pos x="connsiteX31" y="connsiteY31"/>
+              </a:cxn>
+              <a:cxn ang="0">
+                <a:pos x="connsiteX32" y="connsiteY32"/>
+              </a:cxn>
+              <a:cxn ang="0">
+                <a:pos x="connsiteX33" y="connsiteY33"/>
+              </a:cxn>
+              <a:cxn ang="0">
+                <a:pos x="connsiteX34" y="connsiteY34"/>
+              </a:cxn>
+              <a:cxn ang="0">
+                <a:pos x="connsiteX35" y="connsiteY35"/>
+              </a:cxn>
+              <a:cxn ang="0">
+                <a:pos x="connsiteX36" y="connsiteY36"/>
+              </a:cxn>
+              <a:cxn ang="0">
+                <a:pos x="connsiteX37" y="connsiteY37"/>
+              </a:cxn>
+              <a:cxn ang="0">
+                <a:pos x="connsiteX38" y="connsiteY38"/>
+              </a:cxn>
+              <a:cxn ang="0">
+                <a:pos x="connsiteX39" y="connsiteY39"/>
+              </a:cxn>
+              <a:cxn ang="0">
+                <a:pos x="connsiteX40" y="connsiteY40"/>
+              </a:cxn>
+              <a:cxn ang="0">
+                <a:pos x="connsiteX41" y="connsiteY41"/>
+              </a:cxn>
+              <a:cxn ang="0">
+                <a:pos x="connsiteX42" y="connsiteY42"/>
+              </a:cxn>
+              <a:cxn ang="0">
+                <a:pos x="connsiteX43" y="connsiteY43"/>
+              </a:cxn>
+              <a:cxn ang="0">
+                <a:pos x="connsiteX44" y="connsiteY44"/>
+              </a:cxn>
+              <a:cxn ang="0">
+                <a:pos x="connsiteX45" y="connsiteY45"/>
+              </a:cxn>
+              <a:cxn ang="0">
+                <a:pos x="connsiteX46" y="connsiteY46"/>
+              </a:cxn>
+            </a:cxnLst>
+            <a:rect l="l" t="t" r="r" b="b"/>
+            <a:pathLst>
+              <a:path w="3039036" h="1707777">
+                <a:moveTo>
+                  <a:pt x="0" y="26895"/>
+                </a:moveTo>
+                <a:lnTo>
+                  <a:pt x="0" y="26895"/>
+                </a:lnTo>
+                <a:cubicBezTo>
+                  <a:pt x="4482" y="94130"/>
+                  <a:pt x="3917" y="161893"/>
+                  <a:pt x="13447" y="228600"/>
+                </a:cubicBezTo>
+                <a:cubicBezTo>
+                  <a:pt x="17456" y="256664"/>
+                  <a:pt x="31377" y="282389"/>
+                  <a:pt x="40342" y="309283"/>
+                </a:cubicBezTo>
+                <a:lnTo>
+                  <a:pt x="67236" y="389965"/>
+                </a:lnTo>
+                <a:lnTo>
+                  <a:pt x="80683" y="430306"/>
+                </a:lnTo>
+                <a:cubicBezTo>
+                  <a:pt x="85165" y="443753"/>
+                  <a:pt x="84107" y="460624"/>
+                  <a:pt x="94130" y="470647"/>
+                </a:cubicBezTo>
+                <a:lnTo>
+                  <a:pt x="121024" y="497542"/>
+                </a:lnTo>
+                <a:cubicBezTo>
+                  <a:pt x="154823" y="598940"/>
+                  <a:pt x="109230" y="473954"/>
+                  <a:pt x="161365" y="578224"/>
+                </a:cubicBezTo>
+                <a:cubicBezTo>
+                  <a:pt x="183239" y="621971"/>
+                  <a:pt x="163169" y="620369"/>
+                  <a:pt x="201706" y="658906"/>
+                </a:cubicBezTo>
+                <a:cubicBezTo>
+                  <a:pt x="213134" y="670334"/>
+                  <a:pt x="228600" y="676835"/>
+                  <a:pt x="242047" y="685800"/>
+                </a:cubicBezTo>
+                <a:cubicBezTo>
+                  <a:pt x="246529" y="699247"/>
+                  <a:pt x="249155" y="713464"/>
+                  <a:pt x="255494" y="726142"/>
+                </a:cubicBezTo>
+                <a:cubicBezTo>
+                  <a:pt x="262722" y="740597"/>
+                  <a:pt x="275825" y="751715"/>
+                  <a:pt x="282389" y="766483"/>
+                </a:cubicBezTo>
+                <a:cubicBezTo>
+                  <a:pt x="329555" y="872605"/>
+                  <a:pt x="277052" y="825678"/>
+                  <a:pt x="349624" y="874059"/>
+                </a:cubicBezTo>
+                <a:cubicBezTo>
+                  <a:pt x="389965" y="934571"/>
+                  <a:pt x="387723" y="953621"/>
+                  <a:pt x="443753" y="981636"/>
+                </a:cubicBezTo>
+                <a:cubicBezTo>
+                  <a:pt x="456431" y="987975"/>
+                  <a:pt x="470647" y="990601"/>
+                  <a:pt x="484094" y="995083"/>
+                </a:cubicBezTo>
+                <a:cubicBezTo>
+                  <a:pt x="515952" y="1026940"/>
+                  <a:pt x="546058" y="1060561"/>
+                  <a:pt x="591671" y="1075765"/>
+                </a:cubicBezTo>
+                <a:cubicBezTo>
+                  <a:pt x="605118" y="1080247"/>
+                  <a:pt x="619334" y="1082873"/>
+                  <a:pt x="632012" y="1089212"/>
+                </a:cubicBezTo>
+                <a:cubicBezTo>
+                  <a:pt x="684924" y="1115668"/>
+                  <a:pt x="676347" y="1139348"/>
+                  <a:pt x="753036" y="1143000"/>
+                </a:cubicBezTo>
+                <a:lnTo>
+                  <a:pt x="1035424" y="1156447"/>
+                </a:lnTo>
+                <a:cubicBezTo>
+                  <a:pt x="1164825" y="1178015"/>
+                  <a:pt x="1119687" y="1176967"/>
+                  <a:pt x="1304365" y="1156447"/>
+                </a:cubicBezTo>
+                <a:cubicBezTo>
+                  <a:pt x="1322733" y="1154406"/>
+                  <a:pt x="1339815" y="1145292"/>
+                  <a:pt x="1358153" y="1143000"/>
+                </a:cubicBezTo>
+                <a:cubicBezTo>
+                  <a:pt x="1411711" y="1136305"/>
+                  <a:pt x="1465730" y="1134035"/>
+                  <a:pt x="1519518" y="1129553"/>
+                </a:cubicBezTo>
+                <a:cubicBezTo>
+                  <a:pt x="1537447" y="1120588"/>
+                  <a:pt x="1553859" y="1107521"/>
+                  <a:pt x="1573306" y="1102659"/>
+                </a:cubicBezTo>
+                <a:cubicBezTo>
+                  <a:pt x="1714268" y="1067419"/>
+                  <a:pt x="2109372" y="1102196"/>
+                  <a:pt x="2124636" y="1102659"/>
+                </a:cubicBezTo>
+                <a:cubicBezTo>
+                  <a:pt x="2203146" y="1128829"/>
+                  <a:pt x="2127330" y="1105887"/>
+                  <a:pt x="2245659" y="1129553"/>
+                </a:cubicBezTo>
+                <a:cubicBezTo>
+                  <a:pt x="2263781" y="1133177"/>
+                  <a:pt x="2281406" y="1138991"/>
+                  <a:pt x="2299447" y="1143000"/>
+                </a:cubicBezTo>
+                <a:cubicBezTo>
+                  <a:pt x="2348821" y="1153972"/>
+                  <a:pt x="2373606" y="1155835"/>
+                  <a:pt x="2420471" y="1169895"/>
+                </a:cubicBezTo>
+                <a:cubicBezTo>
+                  <a:pt x="2447624" y="1178041"/>
+                  <a:pt x="2477565" y="1181064"/>
+                  <a:pt x="2501153" y="1196789"/>
+                </a:cubicBezTo>
+                <a:cubicBezTo>
+                  <a:pt x="2553288" y="1231546"/>
+                  <a:pt x="2526162" y="1218572"/>
+                  <a:pt x="2581836" y="1237130"/>
+                </a:cubicBezTo>
+                <a:cubicBezTo>
+                  <a:pt x="2608730" y="1255059"/>
+                  <a:pt x="2631854" y="1280697"/>
+                  <a:pt x="2662518" y="1290918"/>
+                </a:cubicBezTo>
+                <a:cubicBezTo>
+                  <a:pt x="2675965" y="1295400"/>
+                  <a:pt x="2690468" y="1297481"/>
+                  <a:pt x="2702859" y="1304365"/>
+                </a:cubicBezTo>
+                <a:cubicBezTo>
+                  <a:pt x="2841574" y="1381428"/>
+                  <a:pt x="2732601" y="1341173"/>
+                  <a:pt x="2823883" y="1371600"/>
+                </a:cubicBezTo>
+                <a:cubicBezTo>
+                  <a:pt x="2902546" y="1450264"/>
+                  <a:pt x="2864746" y="1421255"/>
+                  <a:pt x="2931459" y="1465730"/>
+                </a:cubicBezTo>
+                <a:cubicBezTo>
+                  <a:pt x="2980502" y="1612858"/>
+                  <a:pt x="2902285" y="1390002"/>
+                  <a:pt x="2971800" y="1546412"/>
+                </a:cubicBezTo>
+                <a:cubicBezTo>
+                  <a:pt x="2983314" y="1572318"/>
+                  <a:pt x="2989729" y="1600201"/>
+                  <a:pt x="2998694" y="1627095"/>
+                </a:cubicBezTo>
+                <a:cubicBezTo>
+                  <a:pt x="3003176" y="1640542"/>
+                  <a:pt x="3004279" y="1655642"/>
+                  <a:pt x="3012142" y="1667436"/>
+                </a:cubicBezTo>
+                <a:lnTo>
+                  <a:pt x="3039036" y="1707777"/>
+                </a:lnTo>
+                <a:cubicBezTo>
+                  <a:pt x="3034554" y="1510553"/>
+                  <a:pt x="3027860" y="1281953"/>
+                  <a:pt x="3025589" y="1116106"/>
+                </a:cubicBezTo>
+                <a:cubicBezTo>
+                  <a:pt x="3023318" y="950259"/>
+                  <a:pt x="3025407" y="847240"/>
+                  <a:pt x="3025407" y="712695"/>
+                </a:cubicBezTo>
+                <a:cubicBezTo>
+                  <a:pt x="3025407" y="506458"/>
+                  <a:pt x="3033670" y="300209"/>
+                  <a:pt x="3025589" y="94130"/>
+                </a:cubicBezTo>
+                <a:cubicBezTo>
+                  <a:pt x="3024693" y="71292"/>
+                  <a:pt x="3029495" y="41769"/>
+                  <a:pt x="3012142" y="26895"/>
+                </a:cubicBezTo>
+                <a:cubicBezTo>
+                  <a:pt x="2991441" y="9151"/>
+                  <a:pt x="2958692" y="14775"/>
+                  <a:pt x="2931459" y="13447"/>
+                </a:cubicBezTo>
+                <a:cubicBezTo>
+                  <a:pt x="2774699" y="5800"/>
+                  <a:pt x="2617694" y="4482"/>
+                  <a:pt x="2460812" y="0"/>
+                </a:cubicBezTo>
+                <a:lnTo>
+                  <a:pt x="1600200" y="13447"/>
+                </a:lnTo>
+                <a:cubicBezTo>
+                  <a:pt x="1581727" y="13990"/>
+                  <a:pt x="1564893" y="26738"/>
+                  <a:pt x="1546412" y="26895"/>
+                </a:cubicBezTo>
+                <a:lnTo>
+                  <a:pt x="0" y="26895"/>
+                </a:lnTo>
+                <a:close/>
+              </a:path>
+            </a:pathLst>
+          </a:custGeom>
+          <a:solidFill>
+            <a:srgbClr val="F12177"/>
+          </a:solidFill>
+          <a:ln w="76200">
+            <a:solidFill>
+              <a:srgbClr val="F12177"/>
+            </a:solidFill>
+          </a:ln>
+        </p:spPr>
+        <p:style>
+          <a:lnRef idx="2">
+            <a:schemeClr val="accent1">
+              <a:shade val="50000"/>
+            </a:schemeClr>
+          </a:lnRef>
+          <a:fillRef idx="1">
+            <a:schemeClr val="accent1"/>
+          </a:fillRef>
+          <a:effectRef idx="0">
+            <a:schemeClr val="accent1"/>
+          </a:effectRef>
+          <a:fontRef idx="minor">
+            <a:schemeClr val="lt1"/>
+          </a:fontRef>
+        </p:style>
+        <p:txBody>
+          <a:bodyPr rtlCol="0" anchor="ctr"/>
+          <a:lstStyle/>
+          <a:p>
+            <a:pPr algn="ctr"/>
+            <a:endParaRPr lang="en-US"/>
+          </a:p>
+        </p:txBody>
+      </p:sp>
+      <p:sp>
+        <p:nvSpPr>
+          <p:cNvPr id="16" name="Elipse 15"/>
+          <p:cNvSpPr/>
+          <p:nvPr/>
+        </p:nvSpPr>
+        <p:spPr>
+          <a:xfrm>
+            <a:off x="6844551" y="114731"/>
+            <a:ext cx="1801907" cy="1694329"/>
+          </a:xfrm>
+          <a:prstGeom prst="ellipse">
+            <a:avLst/>
+          </a:prstGeom>
+          <a:solidFill>
+            <a:srgbClr val="F12177"/>
+          </a:solidFill>
+          <a:ln>
+            <a:solidFill>
+              <a:srgbClr val="F12177"/>
+            </a:solidFill>
+          </a:ln>
+        </p:spPr>
+        <p:style>
+          <a:lnRef idx="2">
+            <a:schemeClr val="accent1">
+              <a:shade val="50000"/>
+            </a:schemeClr>
+          </a:lnRef>
+          <a:fillRef idx="1">
+            <a:schemeClr val="accent1"/>
+          </a:fillRef>
+          <a:effectRef idx="0">
+            <a:schemeClr val="accent1"/>
+          </a:effectRef>
+          <a:fontRef idx="minor">
+            <a:schemeClr val="lt1"/>
+          </a:fontRef>
+        </p:style>
+        <p:txBody>
+          <a:bodyPr rtlCol="0" anchor="ctr"/>
+          <a:lstStyle/>
+          <a:p>
+            <a:pPr algn="ctr"/>
+            <a:endParaRPr lang="en-US"/>
+          </a:p>
+        </p:txBody>
+      </p:sp>
+    </p:spTree>
+    <p:extLst>
+      <p:ext uri="{BB962C8B-B14F-4D97-AF65-F5344CB8AC3E}">
+        <p14:creationId xmlns:p14="http://schemas.microsoft.com/office/powerpoint/2010/main" val="569064746"/>
+      </p:ext>
+    </p:extLst>
+  </p:cSld>
+  <p:clrMapOvr>
+    <a:masterClrMapping/>
+  </p:clrMapOvr>
 </p:sld>
 </file>
 
